--- a/trunk/Sesion 10/presentacion.pptx
+++ b/trunk/Sesion 10/presentacion.pptx
@@ -212,7 +212,7 @@
               </a:spcAft>
               <a:defRPr/>
             </a:pPr>
-            <a:endParaRPr lang="en-US"/>
+            <a:endParaRPr lang="en-US" dirty="0"/>
           </a:p>
         </p:txBody>
       </p:sp>
@@ -266,7 +266,7 @@
               </a:spcAft>
               <a:defRPr/>
             </a:pPr>
-            <a:endParaRPr lang="en-US"/>
+            <a:endParaRPr lang="en-US" dirty="0"/>
           </a:p>
         </p:txBody>
       </p:sp>
@@ -320,7 +320,7 @@
               </a:spcAft>
               <a:defRPr/>
             </a:pPr>
-            <a:endParaRPr lang="en-US"/>
+            <a:endParaRPr lang="en-US" dirty="0"/>
           </a:p>
         </p:txBody>
       </p:sp>
@@ -374,7 +374,7 @@
               </a:spcAft>
               <a:defRPr/>
             </a:pPr>
-            <a:endParaRPr lang="en-US"/>
+            <a:endParaRPr lang="en-US" dirty="0"/>
           </a:p>
         </p:txBody>
       </p:sp>
@@ -510,9 +510,9 @@
               <a:pPr>
                 <a:defRPr/>
               </a:pPr>
-              <a:t>08/04/2010</a:t>
+              <a:t>09/04/2010</a:t>
             </a:fld>
-            <a:endParaRPr lang="es-ES"/>
+            <a:endParaRPr lang="es-ES" dirty="0"/>
           </a:p>
         </p:txBody>
       </p:sp>
@@ -543,7 +543,7 @@
             <a:pPr>
               <a:defRPr/>
             </a:pPr>
-            <a:endParaRPr lang="es-ES"/>
+            <a:endParaRPr lang="es-ES" dirty="0"/>
           </a:p>
         </p:txBody>
       </p:sp>
@@ -579,9 +579,9 @@
               <a:pPr>
                 <a:defRPr/>
               </a:pPr>
-              <a:t>‹#›</a:t>
+              <a:t>‹Nº›</a:t>
             </a:fld>
-            <a:endParaRPr lang="es-ES"/>
+            <a:endParaRPr lang="es-ES" dirty="0"/>
           </a:p>
         </p:txBody>
       </p:sp>
@@ -712,9 +712,9 @@
               <a:pPr>
                 <a:defRPr/>
               </a:pPr>
-              <a:t>08/04/2010</a:t>
+              <a:t>09/04/2010</a:t>
             </a:fld>
-            <a:endParaRPr lang="es-ES"/>
+            <a:endParaRPr lang="es-ES" dirty="0"/>
           </a:p>
         </p:txBody>
       </p:sp>
@@ -740,7 +740,7 @@
             <a:pPr>
               <a:defRPr/>
             </a:pPr>
-            <a:endParaRPr lang="es-ES"/>
+            <a:endParaRPr lang="es-ES" dirty="0"/>
           </a:p>
         </p:txBody>
       </p:sp>
@@ -771,9 +771,9 @@
               <a:pPr>
                 <a:defRPr/>
               </a:pPr>
-              <a:t>‹#›</a:t>
+              <a:t>‹Nº›</a:t>
             </a:fld>
-            <a:endParaRPr lang="es-ES"/>
+            <a:endParaRPr lang="es-ES" dirty="0"/>
           </a:p>
         </p:txBody>
       </p:sp>
@@ -843,7 +843,7 @@
               </a:spcAft>
               <a:defRPr/>
             </a:pPr>
-            <a:endParaRPr lang="en-US">
+            <a:endParaRPr lang="en-US" dirty="0">
               <a:latin typeface="+mn-lt"/>
             </a:endParaRPr>
           </a:p>
@@ -903,7 +903,7 @@
               </a:spcAft>
               <a:defRPr/>
             </a:pPr>
-            <a:endParaRPr lang="en-US"/>
+            <a:endParaRPr lang="en-US" dirty="0"/>
           </a:p>
         </p:txBody>
       </p:sp>
@@ -948,7 +948,7 @@
               </a:spcAft>
               <a:defRPr/>
             </a:pPr>
-            <a:endParaRPr lang="en-US">
+            <a:endParaRPr lang="en-US" dirty="0">
               <a:latin typeface="+mn-lt"/>
             </a:endParaRPr>
           </a:p>
@@ -1066,9 +1066,9 @@
               <a:pPr>
                 <a:defRPr/>
               </a:pPr>
-              <a:t>08/04/2010</a:t>
+              <a:t>09/04/2010</a:t>
             </a:fld>
-            <a:endParaRPr lang="es-ES"/>
+            <a:endParaRPr lang="es-ES" dirty="0"/>
           </a:p>
         </p:txBody>
       </p:sp>
@@ -1094,7 +1094,7 @@
             <a:pPr>
               <a:defRPr/>
             </a:pPr>
-            <a:endParaRPr lang="es-ES"/>
+            <a:endParaRPr lang="es-ES" dirty="0"/>
           </a:p>
         </p:txBody>
       </p:sp>
@@ -1125,9 +1125,9 @@
               <a:pPr>
                 <a:defRPr/>
               </a:pPr>
-              <a:t>‹#›</a:t>
+              <a:t>‹Nº›</a:t>
             </a:fld>
-            <a:endParaRPr lang="es-ES"/>
+            <a:endParaRPr lang="es-ES" dirty="0"/>
           </a:p>
         </p:txBody>
       </p:sp>
@@ -1263,9 +1263,9 @@
               <a:pPr>
                 <a:defRPr/>
               </a:pPr>
-              <a:t>08/04/2010</a:t>
+              <a:t>09/04/2010</a:t>
             </a:fld>
-            <a:endParaRPr lang="es-ES"/>
+            <a:endParaRPr lang="es-ES" dirty="0"/>
           </a:p>
         </p:txBody>
       </p:sp>
@@ -1291,7 +1291,7 @@
             <a:pPr>
               <a:defRPr/>
             </a:pPr>
-            <a:endParaRPr lang="es-ES"/>
+            <a:endParaRPr lang="es-ES" dirty="0"/>
           </a:p>
         </p:txBody>
       </p:sp>
@@ -1322,9 +1322,9 @@
               <a:pPr>
                 <a:defRPr/>
               </a:pPr>
-              <a:t>‹#›</a:t>
+              <a:t>‹Nº›</a:t>
             </a:fld>
-            <a:endParaRPr lang="es-ES"/>
+            <a:endParaRPr lang="es-ES" dirty="0"/>
           </a:p>
         </p:txBody>
       </p:sp>
@@ -1408,7 +1408,7 @@
               </a:spcAft>
               <a:defRPr/>
             </a:pPr>
-            <a:endParaRPr lang="en-US"/>
+            <a:endParaRPr lang="en-US" dirty="0"/>
           </a:p>
         </p:txBody>
       </p:sp>
@@ -1462,7 +1462,7 @@
               </a:spcAft>
               <a:defRPr/>
             </a:pPr>
-            <a:endParaRPr lang="en-US"/>
+            <a:endParaRPr lang="en-US" dirty="0"/>
           </a:p>
         </p:txBody>
       </p:sp>
@@ -1610,9 +1610,9 @@
               <a:pPr>
                 <a:defRPr/>
               </a:pPr>
-              <a:t>08/04/2010</a:t>
+              <a:t>09/04/2010</a:t>
             </a:fld>
-            <a:endParaRPr lang="es-ES"/>
+            <a:endParaRPr lang="es-ES" dirty="0"/>
           </a:p>
         </p:txBody>
       </p:sp>
@@ -1643,7 +1643,7 @@
             <a:pPr>
               <a:defRPr/>
             </a:pPr>
-            <a:endParaRPr lang="es-ES"/>
+            <a:endParaRPr lang="es-ES" dirty="0"/>
           </a:p>
         </p:txBody>
       </p:sp>
@@ -1679,9 +1679,9 @@
               <a:pPr>
                 <a:defRPr/>
               </a:pPr>
-              <a:t>‹#›</a:t>
+              <a:t>‹Nº›</a:t>
             </a:fld>
-            <a:endParaRPr lang="es-ES"/>
+            <a:endParaRPr lang="es-ES" dirty="0"/>
           </a:p>
         </p:txBody>
       </p:sp>
@@ -1879,9 +1879,9 @@
               <a:pPr>
                 <a:defRPr/>
               </a:pPr>
-              <a:t>08/04/2010</a:t>
+              <a:t>09/04/2010</a:t>
             </a:fld>
-            <a:endParaRPr lang="es-ES"/>
+            <a:endParaRPr lang="es-ES" dirty="0"/>
           </a:p>
         </p:txBody>
       </p:sp>
@@ -1907,7 +1907,7 @@
             <a:pPr>
               <a:defRPr/>
             </a:pPr>
-            <a:endParaRPr lang="es-ES"/>
+            <a:endParaRPr lang="es-ES" dirty="0"/>
           </a:p>
         </p:txBody>
       </p:sp>
@@ -1938,9 +1938,9 @@
               <a:pPr>
                 <a:defRPr/>
               </a:pPr>
-              <a:t>‹#›</a:t>
+              <a:t>‹Nº›</a:t>
             </a:fld>
-            <a:endParaRPr lang="es-ES"/>
+            <a:endParaRPr lang="es-ES" dirty="0"/>
           </a:p>
         </p:txBody>
       </p:sp>
@@ -2258,9 +2258,9 @@
               <a:pPr>
                 <a:defRPr/>
               </a:pPr>
-              <a:t>08/04/2010</a:t>
+              <a:t>09/04/2010</a:t>
             </a:fld>
-            <a:endParaRPr lang="es-ES"/>
+            <a:endParaRPr lang="es-ES" dirty="0"/>
           </a:p>
         </p:txBody>
       </p:sp>
@@ -2286,7 +2286,7 @@
             <a:pPr>
               <a:defRPr/>
             </a:pPr>
-            <a:endParaRPr lang="es-ES"/>
+            <a:endParaRPr lang="es-ES" dirty="0"/>
           </a:p>
         </p:txBody>
       </p:sp>
@@ -2317,9 +2317,9 @@
               <a:pPr>
                 <a:defRPr/>
               </a:pPr>
-              <a:t>‹#›</a:t>
+              <a:t>‹Nº›</a:t>
             </a:fld>
-            <a:endParaRPr lang="es-ES"/>
+            <a:endParaRPr lang="es-ES" dirty="0"/>
           </a:p>
         </p:txBody>
       </p:sp>
@@ -2402,7 +2402,7 @@
               </a:spcAft>
               <a:defRPr/>
             </a:pPr>
-            <a:endParaRPr lang="en-US"/>
+            <a:endParaRPr lang="en-US" dirty="0"/>
           </a:p>
         </p:txBody>
       </p:sp>
@@ -2461,9 +2461,9 @@
               <a:pPr>
                 <a:defRPr/>
               </a:pPr>
-              <a:t>08/04/2010</a:t>
+              <a:t>09/04/2010</a:t>
             </a:fld>
-            <a:endParaRPr lang="es-ES"/>
+            <a:endParaRPr lang="es-ES" dirty="0"/>
           </a:p>
         </p:txBody>
       </p:sp>
@@ -2489,7 +2489,7 @@
             <a:pPr>
               <a:defRPr/>
             </a:pPr>
-            <a:endParaRPr lang="es-ES"/>
+            <a:endParaRPr lang="es-ES" dirty="0"/>
           </a:p>
         </p:txBody>
       </p:sp>
@@ -2520,9 +2520,9 @@
               <a:pPr>
                 <a:defRPr/>
               </a:pPr>
-              <a:t>‹#›</a:t>
+              <a:t>‹Nº›</a:t>
             </a:fld>
-            <a:endParaRPr lang="es-ES"/>
+            <a:endParaRPr lang="es-ES" dirty="0"/>
           </a:p>
         </p:txBody>
       </p:sp>
@@ -2592,7 +2592,7 @@
               </a:spcAft>
               <a:defRPr/>
             </a:pPr>
-            <a:endParaRPr lang="en-US">
+            <a:endParaRPr lang="en-US" dirty="0">
               <a:latin typeface="+mn-lt"/>
             </a:endParaRPr>
           </a:p>
@@ -2652,7 +2652,7 @@
               </a:spcAft>
               <a:defRPr/>
             </a:pPr>
-            <a:endParaRPr lang="en-US"/>
+            <a:endParaRPr lang="en-US" dirty="0"/>
           </a:p>
         </p:txBody>
       </p:sp>
@@ -2683,9 +2683,9 @@
               <a:pPr>
                 <a:defRPr/>
               </a:pPr>
-              <a:t>08/04/2010</a:t>
+              <a:t>09/04/2010</a:t>
             </a:fld>
-            <a:endParaRPr lang="es-ES"/>
+            <a:endParaRPr lang="es-ES" dirty="0"/>
           </a:p>
         </p:txBody>
       </p:sp>
@@ -2711,7 +2711,7 @@
             <a:pPr>
               <a:defRPr/>
             </a:pPr>
-            <a:endParaRPr lang="es-ES"/>
+            <a:endParaRPr lang="es-ES" dirty="0"/>
           </a:p>
         </p:txBody>
       </p:sp>
@@ -2742,9 +2742,9 @@
               <a:pPr>
                 <a:defRPr/>
               </a:pPr>
-              <a:t>‹#›</a:t>
+              <a:t>‹Nº›</a:t>
             </a:fld>
-            <a:endParaRPr lang="es-ES"/>
+            <a:endParaRPr lang="es-ES" dirty="0"/>
           </a:p>
         </p:txBody>
       </p:sp>
@@ -2814,7 +2814,7 @@
               </a:spcAft>
               <a:defRPr/>
             </a:pPr>
-            <a:endParaRPr lang="en-US">
+            <a:endParaRPr lang="en-US" dirty="0">
               <a:latin typeface="+mn-lt"/>
             </a:endParaRPr>
           </a:p>
@@ -2921,7 +2921,7 @@
               </a:spcAft>
               <a:defRPr/>
             </a:pPr>
-            <a:endParaRPr lang="en-US"/>
+            <a:endParaRPr lang="en-US" dirty="0"/>
           </a:p>
         </p:txBody>
       </p:sp>
@@ -3110,9 +3110,9 @@
               <a:pPr>
                 <a:defRPr/>
               </a:pPr>
-              <a:t>08/04/2010</a:t>
+              <a:t>09/04/2010</a:t>
             </a:fld>
-            <a:endParaRPr lang="es-ES"/>
+            <a:endParaRPr lang="es-ES" dirty="0"/>
           </a:p>
         </p:txBody>
       </p:sp>
@@ -3138,7 +3138,7 @@
             <a:pPr>
               <a:defRPr/>
             </a:pPr>
-            <a:endParaRPr lang="es-ES"/>
+            <a:endParaRPr lang="es-ES" dirty="0"/>
           </a:p>
         </p:txBody>
       </p:sp>
@@ -3169,9 +3169,9 @@
               <a:pPr>
                 <a:defRPr/>
               </a:pPr>
-              <a:t>‹#›</a:t>
+              <a:t>‹Nº›</a:t>
             </a:fld>
-            <a:endParaRPr lang="es-ES"/>
+            <a:endParaRPr lang="es-ES" dirty="0"/>
           </a:p>
         </p:txBody>
       </p:sp>
@@ -3246,7 +3246,7 @@
               </a:spcAft>
               <a:defRPr/>
             </a:pPr>
-            <a:endParaRPr lang="en-US">
+            <a:endParaRPr lang="en-US" dirty="0">
               <a:latin typeface="+mn-lt"/>
             </a:endParaRPr>
           </a:p>
@@ -3306,7 +3306,7 @@
               </a:spcAft>
               <a:defRPr/>
             </a:pPr>
-            <a:endParaRPr lang="en-US"/>
+            <a:endParaRPr lang="en-US" dirty="0"/>
           </a:p>
         </p:txBody>
       </p:sp>
@@ -3360,7 +3360,7 @@
               </a:spcAft>
               <a:defRPr/>
             </a:pPr>
-            <a:endParaRPr lang="en-US"/>
+            <a:endParaRPr lang="en-US" dirty="0"/>
           </a:p>
         </p:txBody>
       </p:sp>
@@ -3447,7 +3447,7 @@
           <a:p>
             <a:pPr lvl="0"/>
             <a:r>
-              <a:rPr lang="es-ES" noProof="0" smtClean="0"/>
+              <a:rPr lang="es-ES" noProof="0" dirty="0" smtClean="0"/>
               <a:t>Haga clic en el icono para agregar una imagen</a:t>
             </a:r>
             <a:endParaRPr lang="en-US" noProof="0" dirty="0"/>
@@ -3527,9 +3527,9 @@
               <a:pPr>
                 <a:defRPr/>
               </a:pPr>
-              <a:t>08/04/2010</a:t>
+              <a:t>09/04/2010</a:t>
             </a:fld>
-            <a:endParaRPr lang="es-ES"/>
+            <a:endParaRPr lang="es-ES" dirty="0"/>
           </a:p>
         </p:txBody>
       </p:sp>
@@ -3555,7 +3555,7 @@
             <a:pPr>
               <a:defRPr/>
             </a:pPr>
-            <a:endParaRPr lang="es-ES"/>
+            <a:endParaRPr lang="es-ES" dirty="0"/>
           </a:p>
         </p:txBody>
       </p:sp>
@@ -3586,9 +3586,9 @@
               <a:pPr>
                 <a:defRPr/>
               </a:pPr>
-              <a:t>‹#›</a:t>
+              <a:t>‹Nº›</a:t>
             </a:fld>
-            <a:endParaRPr lang="es-ES"/>
+            <a:endParaRPr lang="es-ES" dirty="0"/>
           </a:p>
         </p:txBody>
       </p:sp>
@@ -3782,9 +3782,9 @@
               <a:pPr>
                 <a:defRPr/>
               </a:pPr>
-              <a:t>08/04/2010</a:t>
+              <a:t>09/04/2010</a:t>
             </a:fld>
-            <a:endParaRPr lang="es-ES"/>
+            <a:endParaRPr lang="es-ES" dirty="0"/>
           </a:p>
         </p:txBody>
       </p:sp>
@@ -3829,7 +3829,7 @@
             <a:pPr>
               <a:defRPr/>
             </a:pPr>
-            <a:endParaRPr lang="es-ES"/>
+            <a:endParaRPr lang="es-ES" dirty="0"/>
           </a:p>
         </p:txBody>
       </p:sp>
@@ -3879,9 +3879,9 @@
               <a:pPr>
                 <a:defRPr/>
               </a:pPr>
-              <a:t>‹#›</a:t>
+              <a:t>‹Nº›</a:t>
             </a:fld>
-            <a:endParaRPr lang="es-ES"/>
+            <a:endParaRPr lang="es-ES" dirty="0"/>
           </a:p>
         </p:txBody>
       </p:sp>
@@ -3926,7 +3926,7 @@
               </a:spcAft>
               <a:defRPr/>
             </a:pPr>
-            <a:endParaRPr lang="en-US">
+            <a:endParaRPr lang="en-US" dirty="0">
               <a:latin typeface="+mn-lt"/>
             </a:endParaRPr>
           </a:p>
@@ -3973,7 +3973,7 @@
               </a:spcAft>
               <a:defRPr/>
             </a:pPr>
-            <a:endParaRPr lang="en-US">
+            <a:endParaRPr lang="en-US" dirty="0">
               <a:latin typeface="+mn-lt"/>
             </a:endParaRPr>
           </a:p>
@@ -4033,7 +4033,7 @@
               </a:spcAft>
               <a:defRPr/>
             </a:pPr>
-            <a:endParaRPr lang="en-US"/>
+            <a:endParaRPr lang="en-US" dirty="0"/>
           </a:p>
         </p:txBody>
       </p:sp>
@@ -4507,12 +4507,12 @@
           <a:lstStyle/>
           <a:p>
             <a:r>
-              <a:rPr lang="es-PE" b="1" smtClean="0">
+              <a:rPr lang="es-PE" b="1" dirty="0" smtClean="0">
                 <a:latin typeface="Calibri" pitchFamily="34" charset="0"/>
               </a:rPr>
               <a:t>PROYECTO INVENTA</a:t>
             </a:r>
-            <a:endParaRPr lang="es-ES" b="1" smtClean="0">
+            <a:endParaRPr lang="es-ES" b="1" dirty="0" smtClean="0">
               <a:latin typeface="Calibri" pitchFamily="34" charset="0"/>
             </a:endParaRPr>
           </a:p>
@@ -4544,7 +4544,7 @@
               <a:defRPr/>
             </a:pPr>
             <a:r>
-              <a:rPr lang="es-PE" b="1" dirty="0" err="1" smtClean="0">
+              <a:rPr lang="es-PE" b="1" dirty="0" smtClean="0">
                 <a:latin typeface="Calibri" pitchFamily="34" charset="0"/>
               </a:rPr>
               <a:t>FacPOS</a:t>
@@ -4596,12 +4596,12 @@
           <a:lstStyle/>
           <a:p>
             <a:r>
-              <a:rPr lang="es-PE" b="1" smtClean="0">
+              <a:rPr lang="es-PE" b="1" dirty="0" smtClean="0">
                 <a:latin typeface="Calibri" pitchFamily="34" charset="0"/>
               </a:rPr>
               <a:t>DEFINICION DEL PROYECTO</a:t>
             </a:r>
-            <a:endParaRPr lang="es-ES" b="1" smtClean="0">
+            <a:endParaRPr lang="es-ES" b="1" dirty="0" smtClean="0">
               <a:latin typeface="Calibri" pitchFamily="34" charset="0"/>
             </a:endParaRPr>
           </a:p>
@@ -4680,19 +4680,7 @@
               <a:rPr lang="es-MX" b="1" i="1" dirty="0" smtClean="0">
                 <a:latin typeface="Calibri" pitchFamily="34" charset="0"/>
               </a:rPr>
-              <a:t>	El proyecto </a:t>
-            </a:r>
-            <a:r>
-              <a:rPr lang="es-MX" b="1" i="1" dirty="0" err="1" smtClean="0">
-                <a:latin typeface="Calibri" pitchFamily="34" charset="0"/>
-              </a:rPr>
-              <a:t>FacPOS</a:t>
-            </a:r>
-            <a:r>
-              <a:rPr lang="es-MX" b="1" i="1" dirty="0" smtClean="0">
-                <a:latin typeface="Calibri" pitchFamily="34" charset="0"/>
-              </a:rPr>
-              <a:t> consiste en el diseño y construcción de una solución móvil para punto de venta lo que permitirá reducir los tiempos en el proceso de liquidación de las ventas diarias realizadas por los transportistas.</a:t>
+              <a:t>	El proyecto FacPOS consiste en el diseño y construcción de una solución móvil para punto de venta lo que permitirá reducir los tiempos en el proceso de liquidación de las ventas diarias realizadas por los transportistas.</a:t>
             </a:r>
           </a:p>
           <a:p>
@@ -4910,12 +4898,12 @@
           <a:lstStyle/>
           <a:p>
             <a:r>
-              <a:rPr lang="es-PE" b="1" smtClean="0">
+              <a:rPr lang="es-PE" b="1" dirty="0" smtClean="0">
                 <a:latin typeface="Calibri" pitchFamily="34" charset="0"/>
               </a:rPr>
               <a:t>DEFINICION DEL PROYECTO</a:t>
             </a:r>
-            <a:endParaRPr lang="es-ES" b="1" smtClean="0">
+            <a:endParaRPr lang="es-ES" b="1" dirty="0" smtClean="0">
               <a:latin typeface="Calibri" pitchFamily="34" charset="0"/>
             </a:endParaRPr>
           </a:p>
@@ -5159,12 +5147,12 @@
           <a:lstStyle/>
           <a:p>
             <a:r>
-              <a:rPr lang="es-PE" b="1" smtClean="0">
+              <a:rPr lang="es-PE" b="1" dirty="0" smtClean="0">
                 <a:latin typeface="Calibri" pitchFamily="34" charset="0"/>
               </a:rPr>
               <a:t>DEFINICION DEL PRODUCTO DEL PROYECTO</a:t>
             </a:r>
-            <a:endParaRPr lang="es-ES" b="1" smtClean="0">
+            <a:endParaRPr lang="es-ES" b="1" dirty="0" smtClean="0">
               <a:latin typeface="Calibri" pitchFamily="34" charset="0"/>
             </a:endParaRPr>
           </a:p>
@@ -5191,15 +5179,23 @@
           <a:lstStyle/>
           <a:p>
             <a:pPr hangingPunct="0"/>
-            <a:endParaRPr lang="en-US" b="1" smtClean="0"/>
+            <a:endParaRPr lang="en-US" b="1" dirty="0" smtClean="0"/>
           </a:p>
           <a:p>
             <a:pPr hangingPunct="0"/>
             <a:r>
-              <a:rPr lang="en-US" b="1" smtClean="0"/>
-              <a:t>El proyecto consiste en desarrollar una aplicación móvil para la distribución y venta de productos de bebidas de consumo masivo, para lo cual se contrataran los servicios de un operador móvil</a:t>
-            </a:r>
-            <a:endParaRPr lang="es-ES" smtClean="0">
+              <a:rPr lang="es-MX" b="1" dirty="0" smtClean="0"/>
+              <a:t>El</a:t>
+            </a:r>
+            <a:r>
+              <a:rPr lang="en-US" b="1" dirty="0" smtClean="0"/>
+              <a:t> </a:t>
+            </a:r>
+            <a:r>
+              <a:rPr lang="es-MX" b="1" dirty="0" smtClean="0"/>
+              <a:t>proyecto consiste en desarrollar una aplicación móvil para la distribución y venta de productos de bebidas de consumo masivo, para lo cual se contrataran los servicios de un operador móvil</a:t>
+            </a:r>
+            <a:endParaRPr lang="es-MX" dirty="0" smtClean="0">
               <a:latin typeface="Calibri" pitchFamily="34" charset="0"/>
             </a:endParaRPr>
           </a:p>
@@ -5246,12 +5242,12 @@
           <a:lstStyle/>
           <a:p>
             <a:r>
-              <a:rPr lang="es-PE" b="1" smtClean="0">
+              <a:rPr lang="es-PE" b="1" dirty="0" smtClean="0">
                 <a:latin typeface="Calibri" pitchFamily="34" charset="0"/>
               </a:rPr>
               <a:t>CLASIFICACION DE LOS STAKEHOLDERS</a:t>
             </a:r>
-            <a:endParaRPr lang="es-ES" b="1" smtClean="0">
+            <a:endParaRPr lang="es-ES" b="1" dirty="0" smtClean="0">
               <a:latin typeface="Calibri" pitchFamily="34" charset="0"/>
             </a:endParaRPr>
           </a:p>
@@ -5266,7 +5262,7 @@
           <p:nvPr/>
         </p:nvPicPr>
         <p:blipFill>
-          <a:blip r:embed="rId2"/>
+          <a:blip r:embed="rId2" cstate="print"/>
           <a:srcRect l="25977" t="33125" r="30078" b="10625"/>
           <a:stretch>
             <a:fillRect/>
@@ -5330,12 +5326,12 @@
           <a:lstStyle/>
           <a:p>
             <a:r>
-              <a:rPr lang="es-PE" b="1" smtClean="0">
+              <a:rPr lang="es-PE" b="1" dirty="0" smtClean="0">
                 <a:latin typeface="Calibri" pitchFamily="34" charset="0"/>
               </a:rPr>
               <a:t>FINALIDAD DEL PROYECTO</a:t>
             </a:r>
-            <a:endParaRPr lang="es-ES" b="1" smtClean="0">
+            <a:endParaRPr lang="es-ES" b="1" dirty="0" smtClean="0">
               <a:latin typeface="Calibri" pitchFamily="34" charset="0"/>
             </a:endParaRPr>
           </a:p>
@@ -5362,15 +5358,19 @@
           <a:lstStyle/>
           <a:p>
             <a:pPr hangingPunct="0"/>
-            <a:endParaRPr lang="en-US" b="1" smtClean="0"/>
+            <a:endParaRPr lang="en-US" b="1" dirty="0" smtClean="0"/>
           </a:p>
           <a:p>
             <a:pPr hangingPunct="0"/>
             <a:r>
-              <a:rPr lang="en-US" b="1" smtClean="0"/>
-              <a:t>Incrementar las ventas y soportar las estrategias de fidelizacion</a:t>
-            </a:r>
-            <a:endParaRPr lang="es-ES" smtClean="0">
+              <a:rPr lang="es-MX" b="1" dirty="0" smtClean="0"/>
+              <a:t>S</a:t>
+            </a:r>
+            <a:r>
+              <a:rPr lang="es-MX" b="1" dirty="0" smtClean="0"/>
+              <a:t>oportar las estrategias de fidelización</a:t>
+            </a:r>
+            <a:endParaRPr lang="es-MX" dirty="0" smtClean="0">
               <a:latin typeface="Calibri" pitchFamily="34" charset="0"/>
             </a:endParaRPr>
           </a:p>
@@ -5417,12 +5417,12 @@
           <a:lstStyle/>
           <a:p>
             <a:r>
-              <a:rPr lang="es-PE" b="1" smtClean="0">
+              <a:rPr lang="es-PE" b="1" dirty="0" smtClean="0">
                 <a:latin typeface="Calibri" pitchFamily="34" charset="0"/>
               </a:rPr>
               <a:t>LINEA BASE DEL TIEMPO</a:t>
             </a:r>
-            <a:endParaRPr lang="es-ES" b="1" smtClean="0">
+            <a:endParaRPr lang="es-ES" b="1" dirty="0" smtClean="0">
               <a:latin typeface="Calibri" pitchFamily="34" charset="0"/>
             </a:endParaRPr>
           </a:p>
@@ -5440,7 +5440,7 @@
         </p:nvGraphicFramePr>
         <p:xfrm>
           <a:off x="500063" y="1571625"/>
-          <a:ext cx="8229600" cy="4079875"/>
+          <a:ext cx="8229600" cy="4079240"/>
         </p:xfrm>
         <a:graphic>
           <a:graphicData uri="http://schemas.openxmlformats.org/drawingml/2006/table">
@@ -5591,16 +5591,12 @@
                         <a:t>4. </a:t>
                       </a:r>
                       <a:r>
-                        <a:rPr lang="es-PE" dirty="0" err="1" smtClean="0"/>
-                        <a:t>Licitacion</a:t>
+                        <a:rPr lang="es-PE" dirty="0" smtClean="0"/>
+                        <a:t>Licitación </a:t>
                       </a:r>
                       <a:r>
                         <a:rPr lang="es-PE" dirty="0" smtClean="0"/>
-                        <a:t> y </a:t>
-                      </a:r>
-                      <a:r>
-                        <a:rPr lang="es-PE" dirty="0" err="1" smtClean="0"/>
-                        <a:t>Adquisicion</a:t>
+                        <a:t>y Adquisicion</a:t>
                       </a:r>
                       <a:endParaRPr lang="es-ES" dirty="0"/>
                     </a:p>
@@ -5637,12 +5633,12 @@
                         <a:t> </a:t>
                       </a:r>
                       <a:r>
-                        <a:rPr lang="es-PE" baseline="0" dirty="0" err="1" smtClean="0"/>
-                        <a:t>Implementacion</a:t>
+                        <a:rPr lang="es-PE" baseline="0" dirty="0" smtClean="0"/>
+                        <a:t>Implementación, </a:t>
                       </a:r>
                       <a:r>
                         <a:rPr lang="es-PE" baseline="0" dirty="0" smtClean="0"/>
-                        <a:t>, Etapa 1</a:t>
+                        <a:t>Etapa 1</a:t>
                       </a:r>
                       <a:endParaRPr lang="es-ES" dirty="0"/>
                     </a:p>
@@ -5679,12 +5675,12 @@
                         <a:t>6. </a:t>
                       </a:r>
                       <a:r>
-                        <a:rPr lang="es-PE" dirty="0" err="1" smtClean="0"/>
-                        <a:t>Implementacion</a:t>
+                        <a:rPr lang="es-PE" dirty="0" smtClean="0"/>
+                        <a:t>Implementación, </a:t>
                       </a:r>
                       <a:r>
                         <a:rPr lang="es-PE" dirty="0" smtClean="0"/>
-                        <a:t>, Etapa 2</a:t>
+                        <a:t>Etapa 2</a:t>
                       </a:r>
                       <a:endParaRPr lang="es-ES" dirty="0"/>
                     </a:p>
@@ -5717,12 +5713,12 @@
                         <a:t>7. </a:t>
                       </a:r>
                       <a:r>
-                        <a:rPr lang="es-PE" dirty="0" err="1" smtClean="0"/>
-                        <a:t>Implementacion</a:t>
+                        <a:rPr lang="es-PE" dirty="0" smtClean="0"/>
+                        <a:t>Implementación, </a:t>
                       </a:r>
                       <a:r>
                         <a:rPr lang="es-PE" dirty="0" smtClean="0"/>
-                        <a:t>, Etapa 3</a:t>
+                        <a:t>Etapa 3</a:t>
                       </a:r>
                       <a:endParaRPr lang="es-ES" dirty="0"/>
                     </a:p>
@@ -5763,12 +5759,12 @@
                         <a:t> </a:t>
                       </a:r>
                       <a:r>
-                        <a:rPr lang="es-PE" baseline="0" dirty="0" err="1" smtClean="0"/>
-                        <a:t>Implementacion</a:t>
+                        <a:rPr lang="es-PE" baseline="0" dirty="0" smtClean="0"/>
+                        <a:t>Implementación, </a:t>
                       </a:r>
                       <a:r>
                         <a:rPr lang="es-PE" baseline="0" dirty="0" smtClean="0"/>
-                        <a:t>, Etapa 4</a:t>
+                        <a:t>Etapa 4</a:t>
                       </a:r>
                       <a:endParaRPr lang="es-ES" dirty="0"/>
                     </a:p>
@@ -5801,12 +5797,12 @@
                         <a:t>9. </a:t>
                       </a:r>
                       <a:r>
-                        <a:rPr lang="es-PE" dirty="0" err="1" smtClean="0"/>
-                        <a:t>Capacitacion</a:t>
+                        <a:rPr lang="es-PE" dirty="0" smtClean="0"/>
+                        <a:t>Capacitación </a:t>
                       </a:r>
                       <a:r>
                         <a:rPr lang="es-PE" dirty="0" smtClean="0"/>
-                        <a:t> a los distribuidores</a:t>
+                        <a:t>a los distribuidores</a:t>
                       </a:r>
                       <a:endParaRPr lang="es-ES" dirty="0"/>
                     </a:p>
@@ -5903,12 +5899,12 @@
           <a:lstStyle/>
           <a:p>
             <a:r>
-              <a:rPr lang="es-PE" b="1" smtClean="0">
+              <a:rPr lang="es-PE" b="1" dirty="0" smtClean="0">
                 <a:latin typeface="Calibri" pitchFamily="34" charset="0"/>
               </a:rPr>
               <a:t>LINEA BASE DEL COSTO</a:t>
             </a:r>
-            <a:endParaRPr lang="es-ES" b="1" smtClean="0">
+            <a:endParaRPr lang="es-ES" b="1" dirty="0" smtClean="0">
               <a:latin typeface="Calibri" pitchFamily="34" charset="0"/>
             </a:endParaRPr>
           </a:p>
@@ -5926,7 +5922,7 @@
         </p:nvGraphicFramePr>
         <p:xfrm>
           <a:off x="1071563" y="1643063"/>
-          <a:ext cx="6643687" cy="3336925"/>
+          <a:ext cx="6643734" cy="3337560"/>
         </p:xfrm>
         <a:graphic>
           <a:graphicData uri="http://schemas.openxmlformats.org/drawingml/2006/table">
@@ -6047,16 +6043,8 @@
                         <a:t>Desarrollo de la </a:t>
                       </a:r>
                       <a:r>
-                        <a:rPr lang="es-PE" dirty="0" err="1" smtClean="0"/>
-                        <a:t>solucion</a:t>
-                      </a:r>
-                      <a:r>
                         <a:rPr lang="es-PE" dirty="0" smtClean="0"/>
-                        <a:t> </a:t>
-                      </a:r>
-                      <a:r>
-                        <a:rPr lang="es-PE" dirty="0" err="1" smtClean="0"/>
-                        <a:t>movil</a:t>
+                        <a:t>solución móvil</a:t>
                       </a:r>
                       <a:endParaRPr lang="es-ES" dirty="0"/>
                     </a:p>
@@ -6122,12 +6110,16 @@
                         <a:t>Total </a:t>
                       </a:r>
                       <a:r>
-                        <a:rPr lang="es-PE" b="1" dirty="0" err="1" smtClean="0"/>
-                        <a:t>Linea</a:t>
+                        <a:rPr lang="es-PE" b="1" dirty="0" smtClean="0"/>
+                        <a:t>Línea</a:t>
                       </a:r>
                       <a:r>
                         <a:rPr lang="es-PE" b="1" baseline="0" dirty="0" smtClean="0"/>
-                        <a:t> Base</a:t>
+                        <a:t> </a:t>
+                      </a:r>
+                      <a:r>
+                        <a:rPr lang="es-PE" b="1" baseline="0" dirty="0" smtClean="0"/>
+                        <a:t>Base</a:t>
                       </a:r>
                       <a:endParaRPr lang="es-ES" b="1" dirty="0"/>
                     </a:p>
@@ -6293,12 +6285,12 @@
           <a:lstStyle/>
           <a:p>
             <a:r>
-              <a:rPr lang="es-PE" b="1" smtClean="0">
+              <a:rPr lang="es-PE" b="1" dirty="0" smtClean="0">
                 <a:latin typeface="Calibri" pitchFamily="34" charset="0"/>
               </a:rPr>
               <a:t>LINEA BASE DEL COSTO</a:t>
             </a:r>
-            <a:endParaRPr lang="es-ES" b="1" smtClean="0">
+            <a:endParaRPr lang="es-ES" b="1" dirty="0" smtClean="0">
               <a:latin typeface="Calibri" pitchFamily="34" charset="0"/>
             </a:endParaRPr>
           </a:p>
@@ -6313,7 +6305,7 @@
           <p:nvPr/>
         </p:nvPicPr>
         <p:blipFill>
-          <a:blip r:embed="rId2"/>
+          <a:blip r:embed="rId2" cstate="print"/>
           <a:srcRect/>
           <a:stretch>
             <a:fillRect/>
@@ -6367,12 +6359,12 @@
           <a:lstStyle/>
           <a:p>
             <a:r>
-              <a:rPr lang="es-PE" sz="1500" b="1">
+              <a:rPr lang="es-PE" sz="1500" b="1" dirty="0">
                 <a:latin typeface="Gill Sans MT" pitchFamily="34" charset="0"/>
               </a:rPr>
               <a:t>FacPOS</a:t>
             </a:r>
-            <a:endParaRPr lang="es-ES" sz="1500" b="1">
+            <a:endParaRPr lang="es-ES" sz="1500" b="1" dirty="0">
               <a:latin typeface="Gill Sans MT" pitchFamily="34" charset="0"/>
             </a:endParaRPr>
           </a:p>

--- a/trunk/Sesion 10/presentacion.pptx
+++ b/trunk/Sesion 10/presentacion.pptx
@@ -277,7 +277,7 @@
             <a:pPr>
               <a:defRPr/>
             </a:pPr>
-            <a:fld id="{903B3511-8477-464B-9DA8-A617AF585D18}" type="datetimeFigureOut">
+            <a:fld id="{777D6330-E956-4AED-8EA2-B3B36539794A}" type="datetimeFigureOut">
               <a:rPr lang="es-ES"/>
               <a:pPr>
                 <a:defRPr/>
@@ -336,7 +336,7 @@
             <a:pPr>
               <a:defRPr/>
             </a:pPr>
-            <a:fld id="{FD2BF1BE-6D33-43BE-96EA-C18D4EE730E3}" type="slidenum">
+            <a:fld id="{BD90CD76-103C-47BC-A4EF-220966218BA5}" type="slidenum">
               <a:rPr lang="es-ES"/>
               <a:pPr>
                 <a:defRPr/>
@@ -536,7 +536,7 @@
             <a:pPr>
               <a:defRPr/>
             </a:pPr>
-            <a:fld id="{AF2D1EE4-D779-4C77-8479-5A6ECEEF0BCC}" type="datetimeFigureOut">
+            <a:fld id="{B13C721F-A012-46E7-8E19-6D0BFC2AB918}" type="datetimeFigureOut">
               <a:rPr lang="es-ES"/>
               <a:pPr>
                 <a:defRPr/>
@@ -595,7 +595,7 @@
             <a:pPr>
               <a:defRPr/>
             </a:pPr>
-            <a:fld id="{469BBD35-F457-4B11-A77F-53B8B9238652}" type="slidenum">
+            <a:fld id="{4A5905CC-7199-485B-BB2E-87D48D8C068B}" type="slidenum">
               <a:rPr lang="es-ES"/>
               <a:pPr>
                 <a:defRPr/>
@@ -915,7 +915,7 @@
             <a:pPr>
               <a:defRPr/>
             </a:pPr>
-            <a:fld id="{35B910BB-6640-46E8-A87D-5A4D671C1A42}" type="datetimeFigureOut">
+            <a:fld id="{904ADFB6-1005-41CD-845E-B1D937584500}" type="datetimeFigureOut">
               <a:rPr lang="es-ES"/>
               <a:pPr>
                 <a:defRPr/>
@@ -974,7 +974,7 @@
             <a:pPr>
               <a:defRPr/>
             </a:pPr>
-            <a:fld id="{E36AEA35-C615-4146-83FA-EEF711B0F219}" type="slidenum">
+            <a:fld id="{39B1D012-1226-4E88-A484-5E6B475F2C79}" type="slidenum">
               <a:rPr lang="es-ES"/>
               <a:pPr>
                 <a:defRPr/>
@@ -1107,7 +1107,7 @@
             <a:pPr>
               <a:defRPr/>
             </a:pPr>
-            <a:fld id="{E58E8958-DCB0-436B-9DBC-E5371B65F7EB}" type="datetimeFigureOut">
+            <a:fld id="{D3023F60-54C0-4791-8538-784BE308B730}" type="datetimeFigureOut">
               <a:rPr lang="es-ES"/>
               <a:pPr>
                 <a:defRPr/>
@@ -1166,7 +1166,7 @@
             <a:pPr>
               <a:defRPr/>
             </a:pPr>
-            <a:fld id="{2E2BBFD5-578D-456F-988B-9C185DA5EF57}" type="slidenum">
+            <a:fld id="{66414258-21FA-4D9C-A9DB-33D8955D7B35}" type="slidenum">
               <a:rPr lang="es-ES"/>
               <a:pPr>
                 <a:defRPr/>
@@ -1204,7 +1204,7 @@
       </p:grpSpPr>
       <p:sp>
         <p:nvSpPr>
-          <p:cNvPr id="2" name="Date Placeholder 1"/>
+          <p:cNvPr id="2" name="13 Marcador de fecha"/>
           <p:cNvSpPr>
             <a:spLocks noGrp="1"/>
           </p:cNvSpPr>
@@ -1212,12 +1212,7 @@
             <p:ph type="dt" sz="half" idx="10"/>
           </p:nvPr>
         </p:nvSpPr>
-        <p:spPr>
-          <a:xfrm>
-            <a:off x="6400800" y="6356350"/>
-            <a:ext cx="2289175" cy="365125"/>
-          </a:xfrm>
-        </p:spPr>
+        <p:spPr/>
         <p:txBody>
           <a:bodyPr/>
           <a:lstStyle>
@@ -1229,7 +1224,7 @@
             <a:pPr>
               <a:defRPr/>
             </a:pPr>
-            <a:fld id="{BEBA5D7B-6CCB-45D7-BA60-E0EA6D82E7BB}" type="datetimeFigureOut">
+            <a:fld id="{C61B9123-CC31-42C0-BC2B-45D9ABD0E380}" type="datetimeFigureOut">
               <a:rPr lang="es-ES"/>
               <a:pPr>
                 <a:defRPr/>
@@ -1242,7 +1237,7 @@
       </p:sp>
       <p:sp>
         <p:nvSpPr>
-          <p:cNvPr id="3" name="Footer Placeholder 2"/>
+          <p:cNvPr id="3" name="2 Marcador de pie de página"/>
           <p:cNvSpPr>
             <a:spLocks noGrp="1"/>
           </p:cNvSpPr>
@@ -1250,12 +1245,7 @@
             <p:ph type="ftr" sz="quarter" idx="11"/>
           </p:nvPr>
         </p:nvSpPr>
-        <p:spPr>
-          <a:xfrm>
-            <a:off x="2898775" y="6356350"/>
-            <a:ext cx="3505200" cy="365125"/>
-          </a:xfrm>
-        </p:spPr>
+        <p:spPr/>
         <p:txBody>
           <a:bodyPr/>
           <a:lstStyle>
@@ -1273,7 +1263,7 @@
       </p:sp>
       <p:sp>
         <p:nvSpPr>
-          <p:cNvPr id="4" name="Slide Number Placeholder 3"/>
+          <p:cNvPr id="4" name="22 Marcador de número de diapositiva"/>
           <p:cNvSpPr>
             <a:spLocks noGrp="1"/>
           </p:cNvSpPr>
@@ -1281,12 +1271,7 @@
             <p:ph type="sldNum" sz="quarter" idx="12"/>
           </p:nvPr>
         </p:nvSpPr>
-        <p:spPr>
-          <a:xfrm>
-            <a:off x="612775" y="6356350"/>
-            <a:ext cx="1981200" cy="365125"/>
-          </a:xfrm>
-        </p:spPr>
+        <p:spPr/>
         <p:txBody>
           <a:bodyPr/>
           <a:lstStyle>
@@ -1298,7 +1283,7 @@
             <a:pPr>
               <a:defRPr/>
             </a:pPr>
-            <a:fld id="{5C7DDAFF-D6F3-4A91-8F53-46BF35A14436}" type="slidenum">
+            <a:fld id="{9689328F-D99B-4E6B-8BE0-E9E594235034}" type="slidenum">
               <a:rPr lang="es-ES"/>
               <a:pPr>
                 <a:defRPr/>
@@ -1363,7 +1348,7 @@
       </p:sp>
       <p:sp>
         <p:nvSpPr>
-          <p:cNvPr id="3" name="Date Placeholder 2"/>
+          <p:cNvPr id="3" name="13 Marcador de fecha"/>
           <p:cNvSpPr>
             <a:spLocks noGrp="1"/>
           </p:cNvSpPr>
@@ -1371,12 +1356,7 @@
             <p:ph type="dt" sz="half" idx="10"/>
           </p:nvPr>
         </p:nvSpPr>
-        <p:spPr>
-          <a:xfrm>
-            <a:off x="6400800" y="6356350"/>
-            <a:ext cx="2289175" cy="365125"/>
-          </a:xfrm>
-        </p:spPr>
+        <p:spPr/>
         <p:txBody>
           <a:bodyPr/>
           <a:lstStyle>
@@ -1388,7 +1368,7 @@
             <a:pPr>
               <a:defRPr/>
             </a:pPr>
-            <a:fld id="{E3C622DC-C123-4B9D-8EBC-26BBCBC4F8CC}" type="datetimeFigureOut">
+            <a:fld id="{E336E301-B597-4AD9-8068-4778E324BA04}" type="datetimeFigureOut">
               <a:rPr lang="es-ES"/>
               <a:pPr>
                 <a:defRPr/>
@@ -1401,7 +1381,7 @@
       </p:sp>
       <p:sp>
         <p:nvSpPr>
-          <p:cNvPr id="4" name="Footer Placeholder 3"/>
+          <p:cNvPr id="4" name="2 Marcador de pie de página"/>
           <p:cNvSpPr>
             <a:spLocks noGrp="1"/>
           </p:cNvSpPr>
@@ -1409,12 +1389,7 @@
             <p:ph type="ftr" sz="quarter" idx="11"/>
           </p:nvPr>
         </p:nvSpPr>
-        <p:spPr>
-          <a:xfrm>
-            <a:off x="2898775" y="6356350"/>
-            <a:ext cx="3505200" cy="365125"/>
-          </a:xfrm>
-        </p:spPr>
+        <p:spPr/>
         <p:txBody>
           <a:bodyPr/>
           <a:lstStyle>
@@ -1432,7 +1407,7 @@
       </p:sp>
       <p:sp>
         <p:nvSpPr>
-          <p:cNvPr id="5" name="Slide Number Placeholder 4"/>
+          <p:cNvPr id="5" name="22 Marcador de número de diapositiva"/>
           <p:cNvSpPr>
             <a:spLocks noGrp="1"/>
           </p:cNvSpPr>
@@ -1440,12 +1415,7 @@
             <p:ph type="sldNum" sz="quarter" idx="12"/>
           </p:nvPr>
         </p:nvSpPr>
-        <p:spPr>
-          <a:xfrm>
-            <a:off x="612775" y="6356350"/>
-            <a:ext cx="1981200" cy="365125"/>
-          </a:xfrm>
-        </p:spPr>
+        <p:spPr/>
         <p:txBody>
           <a:bodyPr/>
           <a:lstStyle>
@@ -1457,7 +1427,7 @@
             <a:pPr>
               <a:defRPr/>
             </a:pPr>
-            <a:fld id="{0921C858-282E-4437-8259-B82B6003CB88}" type="slidenum">
+            <a:fld id="{B8474C40-CB61-4BE7-B163-E3F7C7AA92EA}" type="slidenum">
               <a:rPr lang="es-ES"/>
               <a:pPr>
                 <a:defRPr/>
@@ -1540,13 +1510,14 @@
           <a:bodyPr/>
           <a:lstStyle/>
           <a:p>
-            <a:endParaRPr lang="es-ES"/>
+            <a:pPr lvl="0"/>
+            <a:endParaRPr lang="es-ES" noProof="0"/>
           </a:p>
         </p:txBody>
       </p:sp>
       <p:sp>
         <p:nvSpPr>
-          <p:cNvPr id="4" name="Date Placeholder 3"/>
+          <p:cNvPr id="4" name="13 Marcador de fecha"/>
           <p:cNvSpPr>
             <a:spLocks noGrp="1"/>
           </p:cNvSpPr>
@@ -1554,12 +1525,7 @@
             <p:ph type="dt" sz="half" idx="10"/>
           </p:nvPr>
         </p:nvSpPr>
-        <p:spPr>
-          <a:xfrm>
-            <a:off x="6400800" y="6356350"/>
-            <a:ext cx="2289175" cy="365125"/>
-          </a:xfrm>
-        </p:spPr>
+        <p:spPr/>
         <p:txBody>
           <a:bodyPr/>
           <a:lstStyle>
@@ -1571,7 +1537,7 @@
             <a:pPr>
               <a:defRPr/>
             </a:pPr>
-            <a:fld id="{75C65E03-B3FF-46F8-8905-6B41D3EC1DE2}" type="datetimeFigureOut">
+            <a:fld id="{C1B25152-7ADB-41D8-AA95-6E19B908A5C4}" type="datetimeFigureOut">
               <a:rPr lang="es-ES"/>
               <a:pPr>
                 <a:defRPr/>
@@ -1584,7 +1550,7 @@
       </p:sp>
       <p:sp>
         <p:nvSpPr>
-          <p:cNvPr id="5" name="Footer Placeholder 4"/>
+          <p:cNvPr id="5" name="2 Marcador de pie de página"/>
           <p:cNvSpPr>
             <a:spLocks noGrp="1"/>
           </p:cNvSpPr>
@@ -1592,12 +1558,7 @@
             <p:ph type="ftr" sz="quarter" idx="11"/>
           </p:nvPr>
         </p:nvSpPr>
-        <p:spPr>
-          <a:xfrm>
-            <a:off x="2898775" y="6356350"/>
-            <a:ext cx="3505200" cy="365125"/>
-          </a:xfrm>
-        </p:spPr>
+        <p:spPr/>
         <p:txBody>
           <a:bodyPr/>
           <a:lstStyle>
@@ -1615,7 +1576,7 @@
       </p:sp>
       <p:sp>
         <p:nvSpPr>
-          <p:cNvPr id="6" name="Slide Number Placeholder 5"/>
+          <p:cNvPr id="6" name="22 Marcador de número de diapositiva"/>
           <p:cNvSpPr>
             <a:spLocks noGrp="1"/>
           </p:cNvSpPr>
@@ -1623,12 +1584,7 @@
             <p:ph type="sldNum" sz="quarter" idx="12"/>
           </p:nvPr>
         </p:nvSpPr>
-        <p:spPr>
-          <a:xfrm>
-            <a:off x="612775" y="6356350"/>
-            <a:ext cx="1981200" cy="365125"/>
-          </a:xfrm>
-        </p:spPr>
+        <p:spPr/>
         <p:txBody>
           <a:bodyPr/>
           <a:lstStyle>
@@ -1640,7 +1596,7 @@
             <a:pPr>
               <a:defRPr/>
             </a:pPr>
-            <a:fld id="{6A313E63-C433-43F4-B267-9EB850A1D5C3}" type="slidenum">
+            <a:fld id="{7ACB1749-C112-4E5A-9C3D-3AFEAB0B3C59}" type="slidenum">
               <a:rPr lang="es-ES"/>
               <a:pPr>
                 <a:defRPr/>
@@ -1836,7 +1792,7 @@
             <a:pPr>
               <a:defRPr/>
             </a:pPr>
-            <a:fld id="{867859EC-E0A1-4B99-8A91-426BB85D1278}" type="datetimeFigureOut">
+            <a:fld id="{80CBA32C-BAB8-4675-9602-48555689F025}" type="datetimeFigureOut">
               <a:rPr lang="es-ES"/>
               <a:pPr>
                 <a:defRPr/>
@@ -1876,7 +1832,7 @@
               <a:spcAft>
                 <a:spcPts val="0"/>
               </a:spcAft>
-              <a:defRPr kumimoji="0" sz="1400" dirty="0">
+              <a:defRPr kumimoji="0" sz="1400">
                 <a:solidFill>
                   <a:schemeClr val="tx2"/>
                 </a:solidFill>
@@ -1933,7 +1889,7 @@
             <a:pPr>
               <a:defRPr/>
             </a:pPr>
-            <a:fld id="{12AD1179-24BB-4921-AE67-4DBD5B06B8E7}" type="slidenum">
+            <a:fld id="{7CCC62E4-5927-4A22-B2C0-94094EEA34DB}" type="slidenum">
               <a:rPr lang="es-ES"/>
               <a:pPr>
                 <a:defRPr/>
@@ -2020,6 +1976,9 @@
           <a:bodyPr anchor="b"/>
           <a:lstStyle/>
           <a:p>
+            <a:pPr>
+              <a:defRPr/>
+            </a:pPr>
             <a:endParaRPr lang="es-ES"/>
           </a:p>
         </p:txBody>
@@ -2086,13 +2045,13 @@
   </p:cSld>
   <p:clrMap bg1="lt1" tx1="dk1" bg2="lt2" tx2="dk2" accent1="accent1" accent2="accent2" accent3="accent3" accent4="accent4" accent5="accent5" accent6="accent6" hlink="hlink" folHlink="folHlink"/>
   <p:sldLayoutIdLst>
-    <p:sldLayoutId id="2147483676" r:id="rId1"/>
-    <p:sldLayoutId id="2147483675" r:id="rId2"/>
-    <p:sldLayoutId id="2147483674" r:id="rId3"/>
-    <p:sldLayoutId id="2147483673" r:id="rId4"/>
-    <p:sldLayoutId id="2147483677" r:id="rId5"/>
-    <p:sldLayoutId id="2147483678" r:id="rId6"/>
-    <p:sldLayoutId id="2147483679" r:id="rId7"/>
+    <p:sldLayoutId id="2147483679" r:id="rId1"/>
+    <p:sldLayoutId id="2147483678" r:id="rId2"/>
+    <p:sldLayoutId id="2147483677" r:id="rId3"/>
+    <p:sldLayoutId id="2147483676" r:id="rId4"/>
+    <p:sldLayoutId id="2147483675" r:id="rId5"/>
+    <p:sldLayoutId id="2147483674" r:id="rId6"/>
+    <p:sldLayoutId id="2147483673" r:id="rId7"/>
   </p:sldLayoutIdLst>
   <p:txStyles>
     <p:titleStyle>
@@ -2534,7 +2493,7 @@
       </p:grpSpPr>
       <p:sp>
         <p:nvSpPr>
-          <p:cNvPr id="13313" name="1 Título"/>
+          <p:cNvPr id="9217" name="1 Título"/>
           <p:cNvSpPr>
             <a:spLocks noGrp="1"/>
           </p:cNvSpPr>
@@ -2655,7 +2614,7 @@
       </p:grpSpPr>
       <p:sp>
         <p:nvSpPr>
-          <p:cNvPr id="32770" name="1 Título"/>
+          <p:cNvPr id="18433" name="1 Título"/>
           <p:cNvSpPr>
             <a:spLocks noGrp="1"/>
           </p:cNvSpPr>
@@ -4208,7 +4167,7 @@
       </p:grpSpPr>
       <p:sp>
         <p:nvSpPr>
-          <p:cNvPr id="33794" name="1 Título"/>
+          <p:cNvPr id="19457" name="1 Título"/>
           <p:cNvSpPr>
             <a:spLocks noGrp="1"/>
           </p:cNvSpPr>
@@ -4232,7 +4191,7 @@
       </p:sp>
       <p:pic>
         <p:nvPicPr>
-          <p:cNvPr id="33795" name="Picture 4"/>
+          <p:cNvPr id="19458" name="Picture 4"/>
           <p:cNvPicPr>
             <a:picLocks noChangeAspect="1" noChangeArrowheads="1"/>
           </p:cNvPicPr>
@@ -4296,7 +4255,7 @@
       </p:grpSpPr>
       <p:sp>
         <p:nvSpPr>
-          <p:cNvPr id="19457" name="1 Título"/>
+          <p:cNvPr id="20481" name="1 Título"/>
           <p:cNvSpPr>
             <a:spLocks noGrp="1"/>
           </p:cNvSpPr>
@@ -4330,7 +4289,7 @@
         </p:nvGraphicFramePr>
         <p:xfrm>
           <a:off x="500063" y="1571625"/>
-          <a:ext cx="8229600" cy="4348163"/>
+          <a:ext cx="8229600" cy="4079875"/>
         </p:xfrm>
         <a:graphic>
           <a:graphicData uri="http://schemas.openxmlformats.org/drawingml/2006/table">
@@ -4734,7 +4693,7 @@
       </p:grpSpPr>
       <p:sp>
         <p:nvSpPr>
-          <p:cNvPr id="20481" name="1 Título"/>
+          <p:cNvPr id="21505" name="1 Título"/>
           <p:cNvSpPr>
             <a:spLocks noGrp="1"/>
           </p:cNvSpPr>
@@ -6526,7 +6485,7 @@
       </p:grpSpPr>
       <p:sp>
         <p:nvSpPr>
-          <p:cNvPr id="21505" name="1 Título"/>
+          <p:cNvPr id="22529" name="1 Título"/>
           <p:cNvSpPr>
             <a:spLocks noGrp="1"/>
           </p:cNvSpPr>
@@ -6550,7 +6509,7 @@
       </p:sp>
       <p:pic>
         <p:nvPicPr>
-          <p:cNvPr id="21506" name="Picture 2"/>
+          <p:cNvPr id="22530" name="Picture 2"/>
           <p:cNvPicPr>
             <a:picLocks noChangeAspect="1" noChangeArrowheads="1"/>
           </p:cNvPicPr>
@@ -6582,7 +6541,7 @@
       </p:pic>
       <p:sp>
         <p:nvSpPr>
-          <p:cNvPr id="21507" name="6 CuadroTexto"/>
+          <p:cNvPr id="22531" name="6 CuadroTexto"/>
           <p:cNvSpPr txBox="1">
             <a:spLocks noChangeArrowheads="1"/>
           </p:cNvSpPr>
@@ -6656,7 +6615,7 @@
       </p:grpSpPr>
       <p:sp>
         <p:nvSpPr>
-          <p:cNvPr id="34818" name="Rectangle 2"/>
+          <p:cNvPr id="23553" name="Rectangle 2"/>
           <p:cNvSpPr>
             <a:spLocks noGrp="1"/>
           </p:cNvSpPr>
@@ -9112,7 +9071,7 @@
       </p:grpSpPr>
       <p:sp>
         <p:nvSpPr>
-          <p:cNvPr id="44036" name="Rectangle 4"/>
+          <p:cNvPr id="24577" name="Rectangle 4"/>
           <p:cNvSpPr>
             <a:spLocks noGrp="1"/>
           </p:cNvSpPr>
@@ -9135,7 +9094,7 @@
       </p:sp>
       <p:grpSp>
         <p:nvGrpSpPr>
-          <p:cNvPr id="44073" name="Group 41"/>
+          <p:cNvPr id="24578" name="Group 41"/>
           <p:cNvGrpSpPr>
             <a:grpSpLocks/>
           </p:cNvGrpSpPr>
@@ -9184,7 +9143,9 @@
             <a:bodyPr anchor="ctr"/>
             <a:lstStyle/>
             <a:p>
-              <a:pPr algn="ctr"/>
+              <a:pPr algn="ctr">
+                <a:defRPr/>
+              </a:pPr>
               <a:r>
                 <a:rPr lang="es-MX" sz="800">
                   <a:solidFill>
@@ -9207,7 +9168,7 @@
           <p:spPr>
             <a:xfrm>
               <a:off x="810" y="1124"/>
-              <a:ext cx="1035" cy="315"/>
+              <a:ext cx="1035" cy="314"/>
             </a:xfrm>
             <a:prstGeom prst="rect">
               <a:avLst/>
@@ -9233,7 +9194,9 @@
             <a:bodyPr anchor="ctr"/>
             <a:lstStyle/>
             <a:p>
-              <a:pPr algn="ctr"/>
+              <a:pPr algn="ctr">
+                <a:defRPr/>
+              </a:pPr>
               <a:r>
                 <a:rPr lang="es-MX" sz="800">
                   <a:solidFill>
@@ -9282,7 +9245,9 @@
             <a:bodyPr anchor="ctr"/>
             <a:lstStyle/>
             <a:p>
-              <a:pPr algn="ctr"/>
+              <a:pPr algn="ctr">
+                <a:defRPr/>
+              </a:pPr>
               <a:r>
                 <a:rPr lang="es-MX" sz="800">
                   <a:solidFill>
@@ -9331,7 +9296,9 @@
             <a:bodyPr anchor="ctr"/>
             <a:lstStyle/>
             <a:p>
-              <a:pPr algn="ctr"/>
+              <a:pPr algn="ctr">
+                <a:defRPr/>
+              </a:pPr>
               <a:r>
                 <a:rPr lang="es-MX" sz="800">
                   <a:solidFill>
@@ -9600,7 +9567,9 @@
             <a:bodyPr anchor="ctr"/>
             <a:lstStyle/>
             <a:p>
-              <a:pPr algn="ctr"/>
+              <a:pPr algn="ctr">
+                <a:defRPr/>
+              </a:pPr>
               <a:r>
                 <a:rPr lang="es-MX" sz="800">
                   <a:solidFill>
@@ -9649,7 +9618,9 @@
             <a:bodyPr anchor="ctr"/>
             <a:lstStyle/>
             <a:p>
-              <a:pPr algn="ctr"/>
+              <a:pPr algn="ctr">
+                <a:defRPr/>
+              </a:pPr>
               <a:r>
                 <a:rPr lang="es-MX" sz="800">
                   <a:solidFill>
@@ -9698,7 +9669,9 @@
             <a:bodyPr anchor="ctr"/>
             <a:lstStyle/>
             <a:p>
-              <a:pPr algn="ctr"/>
+              <a:pPr algn="ctr">
+                <a:defRPr/>
+              </a:pPr>
               <a:r>
                 <a:rPr lang="es-MX" sz="800">
                   <a:solidFill>
@@ -9747,7 +9720,9 @@
             <a:bodyPr anchor="ctr"/>
             <a:lstStyle/>
             <a:p>
-              <a:pPr algn="ctr"/>
+              <a:pPr algn="ctr">
+                <a:defRPr/>
+              </a:pPr>
               <a:r>
                 <a:rPr lang="es-MX" sz="800">
                   <a:solidFill>
@@ -9796,7 +9771,9 @@
             <a:bodyPr anchor="ctr"/>
             <a:lstStyle/>
             <a:p>
-              <a:pPr algn="ctr"/>
+              <a:pPr algn="ctr">
+                <a:defRPr/>
+              </a:pPr>
               <a:r>
                 <a:rPr lang="es-MX" sz="800">
                   <a:solidFill>
@@ -9809,7 +9786,9 @@
               </a:r>
             </a:p>
             <a:p>
-              <a:pPr algn="ctr"/>
+              <a:pPr algn="ctr">
+                <a:defRPr/>
+              </a:pPr>
               <a:r>
                 <a:rPr lang="es-MX" sz="800">
                   <a:solidFill>
@@ -9822,7 +9801,9 @@
               </a:r>
             </a:p>
             <a:p>
-              <a:pPr algn="ctr"/>
+              <a:pPr algn="ctr">
+                <a:defRPr/>
+              </a:pPr>
               <a:r>
                 <a:rPr lang="es-MX" sz="800">
                   <a:solidFill>
@@ -9835,7 +9816,9 @@
               </a:r>
             </a:p>
             <a:p>
-              <a:pPr algn="ctr"/>
+              <a:pPr algn="ctr">
+                <a:defRPr/>
+              </a:pPr>
               <a:r>
                 <a:rPr lang="es-MX" sz="800">
                   <a:solidFill>
@@ -9859,7 +9842,7 @@
           </p:nvCxnSpPr>
           <p:spPr>
             <a:xfrm rot="16200000" flipH="1">
-              <a:off x="664" y="2104"/>
+              <a:off x="664" y="2105"/>
               <a:ext cx="1350" cy="23"/>
             </a:xfrm>
             <a:prstGeom prst="line">
@@ -10269,8 +10252,8 @@
           </p:nvCxnSpPr>
           <p:spPr>
             <a:xfrm rot="5400000" flipH="1" flipV="1">
-              <a:off x="3847" y="2317"/>
-              <a:ext cx="3555" cy="0"/>
+              <a:off x="3848" y="2316"/>
+              <a:ext cx="3554" cy="0"/>
             </a:xfrm>
             <a:prstGeom prst="line">
               <a:avLst/>
@@ -10299,7 +10282,7 @@
           </p:nvCxnSpPr>
           <p:spPr>
             <a:xfrm rot="5400000" flipH="1" flipV="1">
-              <a:off x="-1642" y="2362"/>
+              <a:off x="-1641" y="2361"/>
               <a:ext cx="3465" cy="0"/>
             </a:xfrm>
             <a:prstGeom prst="line">
@@ -10389,7 +10372,7 @@
         </p:cxnSp>
         <p:sp>
           <p:nvSpPr>
-            <p:cNvPr id="44070" name="112 CuadroTexto"/>
+            <p:cNvPr id="24612" name="112 CuadroTexto"/>
             <p:cNvSpPr txBox="1">
               <a:spLocks noChangeArrowheads="1"/>
             </p:cNvSpPr>
@@ -10430,7 +10413,7 @@
         </p:sp>
         <p:sp>
           <p:nvSpPr>
-            <p:cNvPr id="44071" name="113 CuadroTexto"/>
+            <p:cNvPr id="24613" name="113 CuadroTexto"/>
             <p:cNvSpPr txBox="1">
               <a:spLocks noChangeArrowheads="1"/>
             </p:cNvSpPr>
@@ -10471,7 +10454,7 @@
         </p:sp>
         <p:sp>
           <p:nvSpPr>
-            <p:cNvPr id="44072" name="114 CuadroTexto"/>
+            <p:cNvPr id="24614" name="114 CuadroTexto"/>
             <p:cNvSpPr txBox="1">
               <a:spLocks noChangeArrowheads="1"/>
             </p:cNvSpPr>
@@ -10545,7 +10528,7 @@
       </p:grpSpPr>
       <p:sp>
         <p:nvSpPr>
-          <p:cNvPr id="46082" name="Rectangle 2"/>
+          <p:cNvPr id="25601" name="Rectangle 2"/>
           <p:cNvSpPr>
             <a:spLocks noGrp="1"/>
           </p:cNvSpPr>
@@ -10568,7 +10551,7 @@
       </p:sp>
       <p:sp>
         <p:nvSpPr>
-          <p:cNvPr id="5" name="4 Subtítulo"/>
+          <p:cNvPr id="25602" name="4 Subtítulo"/>
           <p:cNvSpPr>
             <a:spLocks/>
           </p:cNvSpPr>
@@ -10644,7 +10627,7 @@
       </p:grpSpPr>
       <p:sp>
         <p:nvSpPr>
-          <p:cNvPr id="48130" name="Rectangle 2"/>
+          <p:cNvPr id="26625" name="Rectangle 2"/>
           <p:cNvSpPr>
             <a:spLocks noGrp="1"/>
           </p:cNvSpPr>
@@ -10667,7 +10650,7 @@
       </p:sp>
       <p:sp>
         <p:nvSpPr>
-          <p:cNvPr id="5" name="4 Subtítulo"/>
+          <p:cNvPr id="26626" name="4 Subtítulo"/>
           <p:cNvSpPr>
             <a:spLocks/>
           </p:cNvSpPr>
@@ -10750,7 +10733,7 @@
       </p:grpSpPr>
       <p:sp>
         <p:nvSpPr>
-          <p:cNvPr id="50178" name="1 Título"/>
+          <p:cNvPr id="27649" name="1 Título"/>
           <p:cNvSpPr>
             <a:spLocks noGrp="1"/>
           </p:cNvSpPr>
@@ -10782,7 +10765,7 @@
         </p:nvGraphicFramePr>
         <p:xfrm>
           <a:off x="323850" y="1268413"/>
-          <a:ext cx="8497888" cy="4789487"/>
+          <a:ext cx="8497888" cy="4784725"/>
         </p:xfrm>
         <a:graphic>
           <a:graphicData uri="http://schemas.openxmlformats.org/drawingml/2006/table">
@@ -16942,7 +16925,7 @@
       </p:graphicFrame>
       <p:sp>
         <p:nvSpPr>
-          <p:cNvPr id="50261" name="Rectangle 420"/>
+          <p:cNvPr id="27732" name="Rectangle 420"/>
           <p:cNvSpPr>
             <a:spLocks noChangeArrowheads="1"/>
           </p:cNvSpPr>
@@ -17003,7 +16986,7 @@
       </p:grpSpPr>
       <p:sp>
         <p:nvSpPr>
-          <p:cNvPr id="14337" name="1 Título"/>
+          <p:cNvPr id="10241" name="1 Título"/>
           <p:cNvSpPr>
             <a:spLocks noGrp="1"/>
           </p:cNvSpPr>
@@ -17309,7 +17292,7 @@
       </p:grpSpPr>
       <p:sp>
         <p:nvSpPr>
-          <p:cNvPr id="52226" name="Rectangle 2"/>
+          <p:cNvPr id="28673" name="Rectangle 2"/>
           <p:cNvSpPr>
             <a:spLocks noGrp="1"/>
           </p:cNvSpPr>
@@ -17332,7 +17315,7 @@
       </p:sp>
       <p:sp>
         <p:nvSpPr>
-          <p:cNvPr id="5" name="4 Subtítulo"/>
+          <p:cNvPr id="28674" name="4 Subtítulo"/>
           <p:cNvSpPr>
             <a:spLocks/>
           </p:cNvSpPr>
@@ -17415,7 +17398,7 @@
       </p:grpSpPr>
       <p:sp>
         <p:nvSpPr>
-          <p:cNvPr id="54274" name="Rectangle 2"/>
+          <p:cNvPr id="29697" name="Rectangle 2"/>
           <p:cNvSpPr>
             <a:spLocks noGrp="1"/>
           </p:cNvSpPr>
@@ -17438,7 +17421,7 @@
       </p:sp>
       <p:sp>
         <p:nvSpPr>
-          <p:cNvPr id="3" name="2 Subtítulo"/>
+          <p:cNvPr id="29698" name="2 Subtítulo"/>
           <p:cNvSpPr>
             <a:spLocks/>
           </p:cNvSpPr>
@@ -17521,7 +17504,7 @@
       </p:grpSpPr>
       <p:sp>
         <p:nvSpPr>
-          <p:cNvPr id="56322" name="Rectangle 2"/>
+          <p:cNvPr id="30721" name="Rectangle 2"/>
           <p:cNvSpPr>
             <a:spLocks noGrp="1"/>
           </p:cNvSpPr>
@@ -17539,6 +17522,1415 @@
               <a:t>SISTEMA DE CONTROL DE CAMBIOS</a:t>
             </a:r>
             <a:endParaRPr lang="en-US" smtClean="0"/>
+          </a:p>
+        </p:txBody>
+      </p:sp>
+      <p:grpSp>
+        <p:nvGrpSpPr>
+          <p:cNvPr id="30723" name="Group 3"/>
+          <p:cNvGrpSpPr>
+            <a:grpSpLocks/>
+          </p:cNvGrpSpPr>
+          <p:nvPr/>
+        </p:nvGrpSpPr>
+        <p:grpSpPr bwMode="auto">
+          <a:xfrm>
+            <a:off x="611188" y="1268413"/>
+            <a:ext cx="2852737" cy="1387475"/>
+            <a:chOff x="4481" y="5378"/>
+            <a:chExt cx="4635" cy="2850"/>
+          </a:xfrm>
+        </p:grpSpPr>
+        <p:sp>
+          <p:nvSpPr>
+            <p:cNvPr id="30724" name="Text Box 4"/>
+            <p:cNvSpPr txBox="1">
+              <a:spLocks noChangeArrowheads="1"/>
+            </p:cNvSpPr>
+            <p:nvPr/>
+          </p:nvSpPr>
+          <p:spPr bwMode="auto">
+            <a:xfrm>
+              <a:off x="4566" y="5378"/>
+              <a:ext cx="2340" cy="412"/>
+            </a:xfrm>
+            <a:prstGeom prst="rect">
+              <a:avLst/>
+            </a:prstGeom>
+            <a:solidFill>
+              <a:srgbClr val="FFFFFF"/>
+            </a:solidFill>
+            <a:ln w="9525">
+              <a:solidFill>
+                <a:srgbClr val="000000"/>
+              </a:solidFill>
+              <a:miter lim="800000"/>
+              <a:headEnd/>
+              <a:tailEnd/>
+            </a:ln>
+          </p:spPr>
+          <p:txBody>
+            <a:bodyPr/>
+            <a:lstStyle/>
+            <a:p>
+              <a:pPr algn="ctr"/>
+              <a:r>
+                <a:rPr lang="es-ES" sz="800" b="1">
+                  <a:latin typeface="Times New Roman" pitchFamily="18" charset="0"/>
+                </a:rPr>
+                <a:t>SPONSOR</a:t>
+              </a:r>
+              <a:endParaRPr lang="es-PE" sz="800"/>
+            </a:p>
+          </p:txBody>
+        </p:sp>
+        <p:sp>
+          <p:nvSpPr>
+            <p:cNvPr id="30725" name="Text Box 5"/>
+            <p:cNvSpPr txBox="1">
+              <a:spLocks noChangeArrowheads="1"/>
+            </p:cNvSpPr>
+            <p:nvPr/>
+          </p:nvSpPr>
+          <p:spPr bwMode="auto">
+            <a:xfrm>
+              <a:off x="4631" y="6857"/>
+              <a:ext cx="2340" cy="412"/>
+            </a:xfrm>
+            <a:prstGeom prst="rect">
+              <a:avLst/>
+            </a:prstGeom>
+            <a:solidFill>
+              <a:srgbClr val="FFFFFF"/>
+            </a:solidFill>
+            <a:ln w="9525">
+              <a:solidFill>
+                <a:srgbClr val="000000"/>
+              </a:solidFill>
+              <a:miter lim="800000"/>
+              <a:headEnd/>
+              <a:tailEnd/>
+            </a:ln>
+          </p:spPr>
+          <p:txBody>
+            <a:bodyPr/>
+            <a:lstStyle/>
+            <a:p>
+              <a:pPr algn="ctr"/>
+              <a:r>
+                <a:rPr lang="es-ES" sz="800" b="1">
+                  <a:latin typeface="Times New Roman" pitchFamily="18" charset="0"/>
+                </a:rPr>
+                <a:t>PROJECT MANAGER</a:t>
+              </a:r>
+              <a:endParaRPr lang="es-PE" sz="800"/>
+            </a:p>
+          </p:txBody>
+        </p:sp>
+        <p:sp>
+          <p:nvSpPr>
+            <p:cNvPr id="30726" name="Text Box 6"/>
+            <p:cNvSpPr txBox="1">
+              <a:spLocks noChangeArrowheads="1"/>
+            </p:cNvSpPr>
+            <p:nvPr/>
+          </p:nvSpPr>
+          <p:spPr bwMode="auto">
+            <a:xfrm>
+              <a:off x="4481" y="7816"/>
+              <a:ext cx="2685" cy="412"/>
+            </a:xfrm>
+            <a:prstGeom prst="rect">
+              <a:avLst/>
+            </a:prstGeom>
+            <a:solidFill>
+              <a:srgbClr val="FFFFFF"/>
+            </a:solidFill>
+            <a:ln w="9525">
+              <a:solidFill>
+                <a:srgbClr val="000000"/>
+              </a:solidFill>
+              <a:miter lim="800000"/>
+              <a:headEnd/>
+              <a:tailEnd/>
+            </a:ln>
+          </p:spPr>
+          <p:txBody>
+            <a:bodyPr/>
+            <a:lstStyle/>
+            <a:p>
+              <a:pPr algn="ctr"/>
+              <a:r>
+                <a:rPr lang="es-ES" sz="800" b="1">
+                  <a:latin typeface="Times New Roman" pitchFamily="18" charset="0"/>
+                </a:rPr>
+                <a:t>EQUIPO DE PROYECTO</a:t>
+              </a:r>
+              <a:endParaRPr lang="es-PE" sz="800"/>
+            </a:p>
+          </p:txBody>
+        </p:sp>
+        <p:sp>
+          <p:nvSpPr>
+            <p:cNvPr id="30727" name="Text Box 7"/>
+            <p:cNvSpPr txBox="1">
+              <a:spLocks noChangeArrowheads="1"/>
+            </p:cNvSpPr>
+            <p:nvPr/>
+          </p:nvSpPr>
+          <p:spPr bwMode="auto">
+            <a:xfrm>
+              <a:off x="6950" y="5995"/>
+              <a:ext cx="2166" cy="591"/>
+            </a:xfrm>
+            <a:prstGeom prst="rect">
+              <a:avLst/>
+            </a:prstGeom>
+            <a:solidFill>
+              <a:srgbClr val="FFFFFF"/>
+            </a:solidFill>
+            <a:ln w="9525">
+              <a:solidFill>
+                <a:srgbClr val="000000"/>
+              </a:solidFill>
+              <a:miter lim="800000"/>
+              <a:headEnd/>
+              <a:tailEnd/>
+            </a:ln>
+          </p:spPr>
+          <p:txBody>
+            <a:bodyPr/>
+            <a:lstStyle/>
+            <a:p>
+              <a:pPr algn="ctr"/>
+              <a:r>
+                <a:rPr lang="es-ES" sz="800" b="1">
+                  <a:latin typeface="Times New Roman" pitchFamily="18" charset="0"/>
+                </a:rPr>
+                <a:t>Comité de Control de Cambios</a:t>
+              </a:r>
+              <a:endParaRPr lang="es-PE" sz="800"/>
+            </a:p>
+          </p:txBody>
+        </p:sp>
+        <p:sp>
+          <p:nvSpPr>
+            <p:cNvPr id="30728" name="Line 8"/>
+            <p:cNvSpPr>
+              <a:spLocks noChangeShapeType="1"/>
+            </p:cNvSpPr>
+            <p:nvPr/>
+          </p:nvSpPr>
+          <p:spPr bwMode="auto">
+            <a:xfrm>
+              <a:off x="5696" y="5788"/>
+              <a:ext cx="0" cy="1080"/>
+            </a:xfrm>
+            <a:prstGeom prst="line">
+              <a:avLst/>
+            </a:prstGeom>
+            <a:noFill/>
+            <a:ln w="15875">
+              <a:solidFill>
+                <a:srgbClr val="000000"/>
+              </a:solidFill>
+              <a:round/>
+              <a:headEnd/>
+              <a:tailEnd/>
+            </a:ln>
+          </p:spPr>
+          <p:txBody>
+            <a:bodyPr/>
+            <a:lstStyle/>
+            <a:p>
+              <a:endParaRPr lang="es-ES"/>
+            </a:p>
+          </p:txBody>
+        </p:sp>
+        <p:sp>
+          <p:nvSpPr>
+            <p:cNvPr id="30729" name="Line 9"/>
+            <p:cNvSpPr>
+              <a:spLocks noChangeShapeType="1"/>
+            </p:cNvSpPr>
+            <p:nvPr/>
+          </p:nvSpPr>
+          <p:spPr bwMode="auto">
+            <a:xfrm>
+              <a:off x="5711" y="7254"/>
+              <a:ext cx="0" cy="567"/>
+            </a:xfrm>
+            <a:prstGeom prst="line">
+              <a:avLst/>
+            </a:prstGeom>
+            <a:noFill/>
+            <a:ln w="15875">
+              <a:solidFill>
+                <a:srgbClr val="000000"/>
+              </a:solidFill>
+              <a:round/>
+              <a:headEnd/>
+              <a:tailEnd/>
+            </a:ln>
+          </p:spPr>
+          <p:txBody>
+            <a:bodyPr/>
+            <a:lstStyle/>
+            <a:p>
+              <a:endParaRPr lang="es-ES"/>
+            </a:p>
+          </p:txBody>
+        </p:sp>
+        <p:sp>
+          <p:nvSpPr>
+            <p:cNvPr id="30730" name="Line 10"/>
+            <p:cNvSpPr>
+              <a:spLocks noChangeShapeType="1"/>
+            </p:cNvSpPr>
+            <p:nvPr/>
+          </p:nvSpPr>
+          <p:spPr bwMode="auto">
+            <a:xfrm>
+              <a:off x="5691" y="6281"/>
+              <a:ext cx="1260" cy="0"/>
+            </a:xfrm>
+            <a:prstGeom prst="line">
+              <a:avLst/>
+            </a:prstGeom>
+            <a:noFill/>
+            <a:ln w="15875">
+              <a:solidFill>
+                <a:srgbClr val="000000"/>
+              </a:solidFill>
+              <a:round/>
+              <a:headEnd/>
+              <a:tailEnd/>
+            </a:ln>
+          </p:spPr>
+          <p:txBody>
+            <a:bodyPr/>
+            <a:lstStyle/>
+            <a:p>
+              <a:endParaRPr lang="es-ES"/>
+            </a:p>
+          </p:txBody>
+        </p:sp>
+      </p:grpSp>
+      <p:sp>
+        <p:nvSpPr>
+          <p:cNvPr id="30731" name="Rectangle 11"/>
+          <p:cNvSpPr>
+            <a:spLocks noChangeArrowheads="1"/>
+          </p:cNvSpPr>
+          <p:nvPr/>
+        </p:nvSpPr>
+        <p:spPr bwMode="auto">
+          <a:xfrm>
+            <a:off x="3819525" y="3933825"/>
+            <a:ext cx="935038" cy="504825"/>
+          </a:xfrm>
+          <a:prstGeom prst="rect">
+            <a:avLst/>
+          </a:prstGeom>
+          <a:solidFill>
+            <a:schemeClr val="accent2"/>
+          </a:solidFill>
+          <a:ln w="9525" algn="ctr">
+            <a:solidFill>
+              <a:schemeClr val="tx1"/>
+            </a:solidFill>
+            <a:miter lim="800000"/>
+            <a:headEnd/>
+            <a:tailEnd/>
+          </a:ln>
+          <a:effectLst/>
+        </p:spPr>
+        <p:txBody>
+          <a:bodyPr anchor="ctr"/>
+          <a:lstStyle/>
+          <a:p>
+            <a:pPr algn="ctr"/>
+            <a:r>
+              <a:rPr lang="es-PE" sz="800" b="1"/>
+              <a:t>Controlar la Calidad</a:t>
+            </a:r>
+          </a:p>
+        </p:txBody>
+      </p:sp>
+      <p:sp>
+        <p:nvSpPr>
+          <p:cNvPr id="30733" name="Rectangle 13"/>
+          <p:cNvSpPr>
+            <a:spLocks noChangeArrowheads="1"/>
+          </p:cNvSpPr>
+          <p:nvPr/>
+        </p:nvSpPr>
+        <p:spPr bwMode="auto">
+          <a:xfrm>
+            <a:off x="3851275" y="5229225"/>
+            <a:ext cx="720725" cy="504825"/>
+          </a:xfrm>
+          <a:prstGeom prst="rect">
+            <a:avLst/>
+          </a:prstGeom>
+          <a:solidFill>
+            <a:schemeClr val="accent2"/>
+          </a:solidFill>
+          <a:ln w="9525" algn="ctr">
+            <a:miter lim="800000"/>
+            <a:headEnd/>
+            <a:tailEnd/>
+          </a:ln>
+          <a:effectLst/>
+          <a:scene3d>
+            <a:camera prst="legacyObliqueTopRight"/>
+            <a:lightRig rig="legacyFlat3" dir="b"/>
+          </a:scene3d>
+          <a:sp3d extrusionH="430200" prstMaterial="legacyMatte">
+            <a:bevelT w="13500" h="13500" prst="angle"/>
+            <a:bevelB w="13500" h="13500" prst="angle"/>
+            <a:extrusionClr>
+              <a:schemeClr val="accent2"/>
+            </a:extrusionClr>
+          </a:sp3d>
+        </p:spPr>
+        <p:txBody>
+          <a:bodyPr anchor="ctr">
+            <a:flatTx/>
+          </a:bodyPr>
+          <a:lstStyle/>
+          <a:p>
+            <a:pPr algn="ctr"/>
+            <a:r>
+              <a:rPr lang="es-PE" sz="800" b="1"/>
+              <a:t>Entregable</a:t>
+            </a:r>
+          </a:p>
+        </p:txBody>
+      </p:sp>
+      <p:sp>
+        <p:nvSpPr>
+          <p:cNvPr id="30734" name="Rectangle 14"/>
+          <p:cNvSpPr>
+            <a:spLocks noChangeArrowheads="1"/>
+          </p:cNvSpPr>
+          <p:nvPr/>
+        </p:nvSpPr>
+        <p:spPr bwMode="auto">
+          <a:xfrm>
+            <a:off x="3563938" y="4941888"/>
+            <a:ext cx="1439862" cy="1223962"/>
+          </a:xfrm>
+          <a:prstGeom prst="rect">
+            <a:avLst/>
+          </a:prstGeom>
+          <a:noFill/>
+          <a:ln w="28575">
+            <a:solidFill>
+              <a:schemeClr val="tx1"/>
+            </a:solidFill>
+            <a:prstDash val="dash"/>
+            <a:miter lim="800000"/>
+            <a:headEnd/>
+            <a:tailEnd/>
+          </a:ln>
+          <a:effectLst/>
+        </p:spPr>
+        <p:txBody>
+          <a:bodyPr wrap="none" anchor="ctr"/>
+          <a:lstStyle/>
+          <a:p>
+            <a:endParaRPr lang="es-ES"/>
+          </a:p>
+        </p:txBody>
+      </p:sp>
+      <p:sp>
+        <p:nvSpPr>
+          <p:cNvPr id="30735" name="Text Box 15"/>
+          <p:cNvSpPr txBox="1">
+            <a:spLocks noChangeArrowheads="1"/>
+          </p:cNvSpPr>
+          <p:nvPr/>
+        </p:nvSpPr>
+        <p:spPr bwMode="auto">
+          <a:xfrm>
+            <a:off x="3875088" y="5818188"/>
+            <a:ext cx="841375" cy="274637"/>
+          </a:xfrm>
+          <a:prstGeom prst="rect">
+            <a:avLst/>
+          </a:prstGeom>
+          <a:noFill/>
+          <a:ln w="9525">
+            <a:noFill/>
+            <a:miter lim="800000"/>
+            <a:headEnd/>
+            <a:tailEnd/>
+          </a:ln>
+          <a:effectLst/>
+        </p:spPr>
+        <p:txBody>
+          <a:bodyPr wrap="none">
+            <a:spAutoFit/>
+          </a:bodyPr>
+          <a:lstStyle/>
+          <a:p>
+            <a:r>
+              <a:rPr lang="es-PE" sz="1200"/>
+              <a:t>Ejecución</a:t>
+            </a:r>
+          </a:p>
+        </p:txBody>
+      </p:sp>
+      <p:sp>
+        <p:nvSpPr>
+          <p:cNvPr id="30736" name="Rectangle 16"/>
+          <p:cNvSpPr>
+            <a:spLocks noChangeArrowheads="1"/>
+          </p:cNvSpPr>
+          <p:nvPr/>
+        </p:nvSpPr>
+        <p:spPr bwMode="auto">
+          <a:xfrm>
+            <a:off x="3811588" y="2203450"/>
+            <a:ext cx="935037" cy="504825"/>
+          </a:xfrm>
+          <a:prstGeom prst="rect">
+            <a:avLst/>
+          </a:prstGeom>
+          <a:solidFill>
+            <a:schemeClr val="accent2"/>
+          </a:solidFill>
+          <a:ln w="9525">
+            <a:solidFill>
+              <a:schemeClr val="tx1"/>
+            </a:solidFill>
+            <a:miter lim="800000"/>
+            <a:headEnd/>
+            <a:tailEnd/>
+          </a:ln>
+          <a:effectLst/>
+        </p:spPr>
+        <p:txBody>
+          <a:bodyPr anchor="ctr"/>
+          <a:lstStyle/>
+          <a:p>
+            <a:pPr algn="ctr"/>
+            <a:r>
+              <a:rPr lang="es-PE" sz="800" b="1"/>
+              <a:t>Asegurar la Calidad</a:t>
+            </a:r>
+          </a:p>
+        </p:txBody>
+      </p:sp>
+      <p:grpSp>
+        <p:nvGrpSpPr>
+          <p:cNvPr id="30746" name="Group 26"/>
+          <p:cNvGrpSpPr>
+            <a:grpSpLocks/>
+          </p:cNvGrpSpPr>
+          <p:nvPr/>
+        </p:nvGrpSpPr>
+        <p:grpSpPr bwMode="auto">
+          <a:xfrm>
+            <a:off x="7451725" y="4941888"/>
+            <a:ext cx="1439863" cy="1223962"/>
+            <a:chOff x="4740" y="3158"/>
+            <a:chExt cx="907" cy="771"/>
+          </a:xfrm>
+        </p:grpSpPr>
+        <p:sp>
+          <p:nvSpPr>
+            <p:cNvPr id="30737" name="Rectangle 17"/>
+            <p:cNvSpPr>
+              <a:spLocks noChangeArrowheads="1"/>
+            </p:cNvSpPr>
+            <p:nvPr/>
+          </p:nvSpPr>
+          <p:spPr bwMode="auto">
+            <a:xfrm>
+              <a:off x="4740" y="3158"/>
+              <a:ext cx="907" cy="771"/>
+            </a:xfrm>
+            <a:prstGeom prst="rect">
+              <a:avLst/>
+            </a:prstGeom>
+            <a:noFill/>
+            <a:ln w="28575">
+              <a:solidFill>
+                <a:schemeClr val="tx1"/>
+              </a:solidFill>
+              <a:prstDash val="dash"/>
+              <a:miter lim="800000"/>
+              <a:headEnd/>
+              <a:tailEnd/>
+            </a:ln>
+            <a:effectLst/>
+          </p:spPr>
+          <p:txBody>
+            <a:bodyPr wrap="none" anchor="ctr"/>
+            <a:lstStyle/>
+            <a:p>
+              <a:endParaRPr lang="es-ES"/>
+            </a:p>
+          </p:txBody>
+        </p:sp>
+        <p:sp>
+          <p:nvSpPr>
+            <p:cNvPr id="30738" name="Text Box 18"/>
+            <p:cNvSpPr txBox="1">
+              <a:spLocks noChangeArrowheads="1"/>
+            </p:cNvSpPr>
+            <p:nvPr/>
+          </p:nvSpPr>
+          <p:spPr bwMode="auto">
+            <a:xfrm>
+              <a:off x="4768" y="3710"/>
+              <a:ext cx="834" cy="173"/>
+            </a:xfrm>
+            <a:prstGeom prst="rect">
+              <a:avLst/>
+            </a:prstGeom>
+            <a:noFill/>
+            <a:ln w="9525">
+              <a:noFill/>
+              <a:miter lim="800000"/>
+              <a:headEnd/>
+              <a:tailEnd/>
+            </a:ln>
+            <a:effectLst/>
+          </p:spPr>
+          <p:txBody>
+            <a:bodyPr wrap="none">
+              <a:spAutoFit/>
+            </a:bodyPr>
+            <a:lstStyle/>
+            <a:p>
+              <a:r>
+                <a:rPr lang="es-PE" sz="1200"/>
+                <a:t>Verificar Alcance</a:t>
+              </a:r>
+            </a:p>
+          </p:txBody>
+        </p:sp>
+      </p:grpSp>
+      <p:sp>
+        <p:nvSpPr>
+          <p:cNvPr id="30739" name="Rectangle 19"/>
+          <p:cNvSpPr>
+            <a:spLocks noChangeArrowheads="1"/>
+          </p:cNvSpPr>
+          <p:nvPr/>
+        </p:nvSpPr>
+        <p:spPr bwMode="auto">
+          <a:xfrm>
+            <a:off x="5724525" y="5300663"/>
+            <a:ext cx="720725" cy="504825"/>
+          </a:xfrm>
+          <a:prstGeom prst="rect">
+            <a:avLst/>
+          </a:prstGeom>
+          <a:solidFill>
+            <a:schemeClr val="accent2"/>
+          </a:solidFill>
+          <a:ln w="9525" algn="ctr">
+            <a:miter lim="800000"/>
+            <a:headEnd/>
+            <a:tailEnd/>
+          </a:ln>
+          <a:effectLst/>
+          <a:scene3d>
+            <a:camera prst="legacyObliqueTopRight"/>
+            <a:lightRig rig="legacyFlat3" dir="b"/>
+          </a:scene3d>
+          <a:sp3d extrusionH="430200" prstMaterial="legacyMatte">
+            <a:bevelT w="13500" h="13500" prst="angle"/>
+            <a:bevelB w="13500" h="13500" prst="angle"/>
+            <a:extrusionClr>
+              <a:schemeClr val="accent2"/>
+            </a:extrusionClr>
+          </a:sp3d>
+        </p:spPr>
+        <p:txBody>
+          <a:bodyPr anchor="ctr">
+            <a:flatTx/>
+          </a:bodyPr>
+          <a:lstStyle/>
+          <a:p>
+            <a:pPr algn="ctr"/>
+            <a:r>
+              <a:rPr lang="es-PE" sz="800" b="1"/>
+              <a:t>Entregable validado</a:t>
+            </a:r>
+          </a:p>
+        </p:txBody>
+      </p:sp>
+      <p:grpSp>
+        <p:nvGrpSpPr>
+          <p:cNvPr id="30745" name="Group 25"/>
+          <p:cNvGrpSpPr>
+            <a:grpSpLocks/>
+          </p:cNvGrpSpPr>
+          <p:nvPr/>
+        </p:nvGrpSpPr>
+        <p:grpSpPr bwMode="auto">
+          <a:xfrm>
+            <a:off x="6443663" y="2997200"/>
+            <a:ext cx="1439862" cy="1223963"/>
+            <a:chOff x="385" y="3113"/>
+            <a:chExt cx="907" cy="771"/>
+          </a:xfrm>
+        </p:grpSpPr>
+        <p:sp>
+          <p:nvSpPr>
+            <p:cNvPr id="30740" name="Rectangle 20"/>
+            <p:cNvSpPr>
+              <a:spLocks noChangeArrowheads="1"/>
+            </p:cNvSpPr>
+            <p:nvPr/>
+          </p:nvSpPr>
+          <p:spPr bwMode="auto">
+            <a:xfrm>
+              <a:off x="385" y="3113"/>
+              <a:ext cx="907" cy="771"/>
+            </a:xfrm>
+            <a:prstGeom prst="rect">
+              <a:avLst/>
+            </a:prstGeom>
+            <a:noFill/>
+            <a:ln w="28575">
+              <a:solidFill>
+                <a:schemeClr val="tx1"/>
+              </a:solidFill>
+              <a:prstDash val="dash"/>
+              <a:miter lim="800000"/>
+              <a:headEnd/>
+              <a:tailEnd/>
+            </a:ln>
+            <a:effectLst/>
+          </p:spPr>
+          <p:txBody>
+            <a:bodyPr wrap="none" anchor="ctr"/>
+            <a:lstStyle/>
+            <a:p>
+              <a:endParaRPr lang="es-ES"/>
+            </a:p>
+          </p:txBody>
+        </p:sp>
+        <p:sp>
+          <p:nvSpPr>
+            <p:cNvPr id="30741" name="Text Box 21"/>
+            <p:cNvSpPr txBox="1">
+              <a:spLocks noChangeArrowheads="1"/>
+            </p:cNvSpPr>
+            <p:nvPr/>
+          </p:nvSpPr>
+          <p:spPr bwMode="auto">
+            <a:xfrm>
+              <a:off x="642" y="3665"/>
+              <a:ext cx="424" cy="173"/>
+            </a:xfrm>
+            <a:prstGeom prst="rect">
+              <a:avLst/>
+            </a:prstGeom>
+            <a:noFill/>
+            <a:ln w="9525">
+              <a:noFill/>
+              <a:miter lim="800000"/>
+              <a:headEnd/>
+              <a:tailEnd/>
+            </a:ln>
+            <a:effectLst/>
+          </p:spPr>
+          <p:txBody>
+            <a:bodyPr wrap="none">
+              <a:spAutoFit/>
+            </a:bodyPr>
+            <a:lstStyle/>
+            <a:p>
+              <a:r>
+                <a:rPr lang="es-PE" sz="1200"/>
+                <a:t>Control</a:t>
+              </a:r>
+            </a:p>
+          </p:txBody>
+        </p:sp>
+      </p:grpSp>
+      <p:grpSp>
+        <p:nvGrpSpPr>
+          <p:cNvPr id="30744" name="Group 24"/>
+          <p:cNvGrpSpPr>
+            <a:grpSpLocks/>
+          </p:cNvGrpSpPr>
+          <p:nvPr/>
+        </p:nvGrpSpPr>
+        <p:grpSpPr bwMode="auto">
+          <a:xfrm>
+            <a:off x="684213" y="3284538"/>
+            <a:ext cx="1466850" cy="1223962"/>
+            <a:chOff x="4604" y="1797"/>
+            <a:chExt cx="924" cy="771"/>
+          </a:xfrm>
+        </p:grpSpPr>
+        <p:sp>
+          <p:nvSpPr>
+            <p:cNvPr id="30742" name="Rectangle 22"/>
+            <p:cNvSpPr>
+              <a:spLocks noChangeArrowheads="1"/>
+            </p:cNvSpPr>
+            <p:nvPr/>
+          </p:nvSpPr>
+          <p:spPr bwMode="auto">
+            <a:xfrm>
+              <a:off x="4604" y="1797"/>
+              <a:ext cx="907" cy="771"/>
+            </a:xfrm>
+            <a:prstGeom prst="rect">
+              <a:avLst/>
+            </a:prstGeom>
+            <a:noFill/>
+            <a:ln w="28575">
+              <a:solidFill>
+                <a:schemeClr val="tx1"/>
+              </a:solidFill>
+              <a:prstDash val="dash"/>
+              <a:miter lim="800000"/>
+              <a:headEnd/>
+              <a:tailEnd/>
+            </a:ln>
+            <a:effectLst/>
+          </p:spPr>
+          <p:txBody>
+            <a:bodyPr wrap="none" anchor="ctr"/>
+            <a:lstStyle/>
+            <a:p>
+              <a:endParaRPr lang="es-ES"/>
+            </a:p>
+          </p:txBody>
+        </p:sp>
+        <p:sp>
+          <p:nvSpPr>
+            <p:cNvPr id="30743" name="Text Box 23"/>
+            <p:cNvSpPr txBox="1">
+              <a:spLocks noChangeArrowheads="1"/>
+            </p:cNvSpPr>
+            <p:nvPr/>
+          </p:nvSpPr>
+          <p:spPr bwMode="auto">
+            <a:xfrm>
+              <a:off x="4604" y="2251"/>
+              <a:ext cx="924" cy="288"/>
+            </a:xfrm>
+            <a:prstGeom prst="rect">
+              <a:avLst/>
+            </a:prstGeom>
+            <a:noFill/>
+            <a:ln w="9525">
+              <a:noFill/>
+              <a:miter lim="800000"/>
+              <a:headEnd/>
+              <a:tailEnd/>
+            </a:ln>
+            <a:effectLst/>
+          </p:spPr>
+          <p:txBody>
+            <a:bodyPr>
+              <a:spAutoFit/>
+            </a:bodyPr>
+            <a:lstStyle/>
+            <a:p>
+              <a:pPr algn="ctr"/>
+              <a:r>
+                <a:rPr lang="es-PE" sz="1200"/>
+                <a:t>Control Integrado </a:t>
+              </a:r>
+            </a:p>
+            <a:p>
+              <a:pPr algn="ctr"/>
+              <a:r>
+                <a:rPr lang="es-PE" sz="1200"/>
+                <a:t>de Cambios</a:t>
+              </a:r>
+            </a:p>
+          </p:txBody>
+        </p:sp>
+      </p:grpSp>
+      <p:cxnSp>
+        <p:nvCxnSpPr>
+          <p:cNvPr id="30747" name="AutoShape 27"/>
+          <p:cNvCxnSpPr>
+            <a:cxnSpLocks noChangeShapeType="1"/>
+            <a:stCxn id="30734" idx="3"/>
+            <a:endCxn id="30739" idx="1"/>
+          </p:cNvCxnSpPr>
+          <p:nvPr/>
+        </p:nvCxnSpPr>
+        <p:spPr bwMode="auto">
+          <a:xfrm flipV="1">
+            <a:off x="5018088" y="5553075"/>
+            <a:ext cx="706437" cy="1588"/>
+          </a:xfrm>
+          <a:prstGeom prst="straightConnector1">
+            <a:avLst/>
+          </a:prstGeom>
+          <a:noFill/>
+          <a:ln w="9525">
+            <a:solidFill>
+              <a:schemeClr val="tx1"/>
+            </a:solidFill>
+            <a:round/>
+            <a:headEnd/>
+            <a:tailEnd type="triangle" w="med" len="med"/>
+          </a:ln>
+          <a:effectLst/>
+        </p:spPr>
+      </p:cxnSp>
+      <p:cxnSp>
+        <p:nvCxnSpPr>
+          <p:cNvPr id="30748" name="AutoShape 28"/>
+          <p:cNvCxnSpPr>
+            <a:cxnSpLocks noChangeShapeType="1"/>
+            <a:stCxn id="30739" idx="3"/>
+            <a:endCxn id="30737" idx="1"/>
+          </p:cNvCxnSpPr>
+          <p:nvPr/>
+        </p:nvCxnSpPr>
+        <p:spPr bwMode="auto">
+          <a:xfrm>
+            <a:off x="6445250" y="5553075"/>
+            <a:ext cx="992188" cy="1588"/>
+          </a:xfrm>
+          <a:prstGeom prst="straightConnector1">
+            <a:avLst/>
+          </a:prstGeom>
+          <a:noFill/>
+          <a:ln w="9525">
+            <a:solidFill>
+              <a:schemeClr val="tx1"/>
+            </a:solidFill>
+            <a:round/>
+            <a:headEnd/>
+            <a:tailEnd type="triangle" w="med" len="med"/>
+          </a:ln>
+          <a:effectLst/>
+        </p:spPr>
+      </p:cxnSp>
+      <p:sp>
+        <p:nvSpPr>
+          <p:cNvPr id="30749" name="AutoShape 29"/>
+          <p:cNvSpPr>
+            <a:spLocks noChangeArrowheads="1"/>
+          </p:cNvSpPr>
+          <p:nvPr/>
+        </p:nvSpPr>
+        <p:spPr bwMode="auto">
+          <a:xfrm>
+            <a:off x="2555875" y="3068638"/>
+            <a:ext cx="720725" cy="503237"/>
+          </a:xfrm>
+          <a:prstGeom prst="flowChartDocument">
+            <a:avLst/>
+          </a:prstGeom>
+          <a:solidFill>
+            <a:schemeClr val="accent2"/>
+          </a:solidFill>
+          <a:ln w="9525" algn="ctr">
+            <a:solidFill>
+              <a:schemeClr val="tx1"/>
+            </a:solidFill>
+            <a:miter lim="800000"/>
+            <a:headEnd/>
+            <a:tailEnd/>
+          </a:ln>
+          <a:effectLst/>
+        </p:spPr>
+        <p:txBody>
+          <a:bodyPr anchor="ctr"/>
+          <a:lstStyle/>
+          <a:p>
+            <a:pPr algn="ctr"/>
+            <a:r>
+              <a:rPr lang="es-PE" sz="800"/>
+              <a:t>Solicitud de  Cambio</a:t>
+            </a:r>
+          </a:p>
+        </p:txBody>
+      </p:sp>
+      <p:sp>
+        <p:nvSpPr>
+          <p:cNvPr id="30750" name="AutoShape 30"/>
+          <p:cNvSpPr>
+            <a:spLocks noChangeArrowheads="1"/>
+          </p:cNvSpPr>
+          <p:nvPr/>
+        </p:nvSpPr>
+        <p:spPr bwMode="auto">
+          <a:xfrm>
+            <a:off x="2555875" y="3933825"/>
+            <a:ext cx="720725" cy="503238"/>
+          </a:xfrm>
+          <a:prstGeom prst="flowChartDocument">
+            <a:avLst/>
+          </a:prstGeom>
+          <a:solidFill>
+            <a:schemeClr val="accent2"/>
+          </a:solidFill>
+          <a:ln w="9525" algn="ctr">
+            <a:solidFill>
+              <a:schemeClr val="tx1"/>
+            </a:solidFill>
+            <a:miter lim="800000"/>
+            <a:headEnd/>
+            <a:tailEnd/>
+          </a:ln>
+          <a:effectLst/>
+        </p:spPr>
+        <p:txBody>
+          <a:bodyPr anchor="ctr"/>
+          <a:lstStyle/>
+          <a:p>
+            <a:pPr algn="ctr"/>
+            <a:r>
+              <a:rPr lang="es-PE" sz="800"/>
+              <a:t>Solicitud de  Cambio</a:t>
+            </a:r>
+          </a:p>
+        </p:txBody>
+      </p:sp>
+      <p:sp>
+        <p:nvSpPr>
+          <p:cNvPr id="30751" name="AutoShape 31"/>
+          <p:cNvSpPr>
+            <a:spLocks noChangeArrowheads="1"/>
+          </p:cNvSpPr>
+          <p:nvPr/>
+        </p:nvSpPr>
+        <p:spPr bwMode="auto">
+          <a:xfrm>
+            <a:off x="1763713" y="5302250"/>
+            <a:ext cx="720725" cy="503238"/>
+          </a:xfrm>
+          <a:prstGeom prst="flowChartDocument">
+            <a:avLst/>
+          </a:prstGeom>
+          <a:solidFill>
+            <a:schemeClr val="accent2"/>
+          </a:solidFill>
+          <a:ln w="9525" algn="ctr">
+            <a:solidFill>
+              <a:schemeClr val="tx1"/>
+            </a:solidFill>
+            <a:miter lim="800000"/>
+            <a:headEnd/>
+            <a:tailEnd/>
+          </a:ln>
+          <a:effectLst/>
+        </p:spPr>
+        <p:txBody>
+          <a:bodyPr anchor="ctr"/>
+          <a:lstStyle/>
+          <a:p>
+            <a:pPr algn="ctr"/>
+            <a:r>
+              <a:rPr lang="es-PE" sz="800"/>
+              <a:t>Solicitud de  Cambio</a:t>
+            </a:r>
+          </a:p>
+          <a:p>
+            <a:pPr algn="ctr"/>
+            <a:r>
+              <a:rPr lang="es-PE" sz="800"/>
+              <a:t>aprobada</a:t>
+            </a:r>
+          </a:p>
+        </p:txBody>
+      </p:sp>
+      <p:cxnSp>
+        <p:nvCxnSpPr>
+          <p:cNvPr id="30752" name="AutoShape 32"/>
+          <p:cNvCxnSpPr>
+            <a:cxnSpLocks noChangeShapeType="1"/>
+            <a:stCxn id="30751" idx="3"/>
+            <a:endCxn id="30734" idx="1"/>
+          </p:cNvCxnSpPr>
+          <p:nvPr/>
+        </p:nvCxnSpPr>
+        <p:spPr bwMode="auto">
+          <a:xfrm>
+            <a:off x="2484438" y="5554663"/>
+            <a:ext cx="1065212" cy="0"/>
+          </a:xfrm>
+          <a:prstGeom prst="straightConnector1">
+            <a:avLst/>
+          </a:prstGeom>
+          <a:noFill/>
+          <a:ln w="9525">
+            <a:solidFill>
+              <a:schemeClr val="tx1"/>
+            </a:solidFill>
+            <a:round/>
+            <a:headEnd/>
+            <a:tailEnd type="triangle" w="med" len="med"/>
+          </a:ln>
+          <a:effectLst/>
+        </p:spPr>
+      </p:cxnSp>
+      <p:cxnSp>
+        <p:nvCxnSpPr>
+          <p:cNvPr id="30753" name="AutoShape 33"/>
+          <p:cNvCxnSpPr>
+            <a:cxnSpLocks noChangeShapeType="1"/>
+            <a:stCxn id="30742" idx="2"/>
+            <a:endCxn id="30751" idx="1"/>
+          </p:cNvCxnSpPr>
+          <p:nvPr/>
+        </p:nvCxnSpPr>
+        <p:spPr bwMode="auto">
+          <a:xfrm rot="16200000" flipH="1">
+            <a:off x="1068388" y="4859338"/>
+            <a:ext cx="1031875" cy="358775"/>
+          </a:xfrm>
+          <a:prstGeom prst="bentConnector2">
+            <a:avLst/>
+          </a:prstGeom>
+          <a:noFill/>
+          <a:ln w="9525">
+            <a:solidFill>
+              <a:schemeClr val="tx1"/>
+            </a:solidFill>
+            <a:miter lim="800000"/>
+            <a:headEnd/>
+            <a:tailEnd type="triangle" w="med" len="med"/>
+          </a:ln>
+          <a:effectLst/>
+        </p:spPr>
+      </p:cxnSp>
+      <p:cxnSp>
+        <p:nvCxnSpPr>
+          <p:cNvPr id="30754" name="AutoShape 34"/>
+          <p:cNvCxnSpPr>
+            <a:cxnSpLocks noChangeShapeType="1"/>
+            <a:stCxn id="30749" idx="1"/>
+            <a:endCxn id="30742" idx="3"/>
+          </p:cNvCxnSpPr>
+          <p:nvPr/>
+        </p:nvCxnSpPr>
+        <p:spPr bwMode="auto">
+          <a:xfrm flipH="1">
+            <a:off x="2138363" y="3321050"/>
+            <a:ext cx="417512" cy="576263"/>
+          </a:xfrm>
+          <a:prstGeom prst="straightConnector1">
+            <a:avLst/>
+          </a:prstGeom>
+          <a:noFill/>
+          <a:ln w="9525">
+            <a:solidFill>
+              <a:schemeClr val="tx1"/>
+            </a:solidFill>
+            <a:round/>
+            <a:headEnd/>
+            <a:tailEnd type="triangle" w="med" len="med"/>
+          </a:ln>
+          <a:effectLst/>
+        </p:spPr>
+      </p:cxnSp>
+      <p:cxnSp>
+        <p:nvCxnSpPr>
+          <p:cNvPr id="30755" name="AutoShape 35"/>
+          <p:cNvCxnSpPr>
+            <a:cxnSpLocks noChangeShapeType="1"/>
+            <a:stCxn id="30750" idx="1"/>
+            <a:endCxn id="30742" idx="3"/>
+          </p:cNvCxnSpPr>
+          <p:nvPr/>
+        </p:nvCxnSpPr>
+        <p:spPr bwMode="auto">
+          <a:xfrm flipH="1" flipV="1">
+            <a:off x="2138363" y="3897313"/>
+            <a:ext cx="417512" cy="288925"/>
+          </a:xfrm>
+          <a:prstGeom prst="straightConnector1">
+            <a:avLst/>
+          </a:prstGeom>
+          <a:noFill/>
+          <a:ln w="9525">
+            <a:solidFill>
+              <a:schemeClr val="tx1"/>
+            </a:solidFill>
+            <a:round/>
+            <a:headEnd/>
+            <a:tailEnd type="triangle" w="med" len="med"/>
+          </a:ln>
+          <a:effectLst/>
+        </p:spPr>
+      </p:cxnSp>
+      <p:cxnSp>
+        <p:nvCxnSpPr>
+          <p:cNvPr id="30756" name="AutoShape 36"/>
+          <p:cNvCxnSpPr>
+            <a:cxnSpLocks noChangeShapeType="1"/>
+            <a:stCxn id="30734" idx="0"/>
+            <a:endCxn id="30731" idx="2"/>
+          </p:cNvCxnSpPr>
+          <p:nvPr/>
+        </p:nvCxnSpPr>
+        <p:spPr bwMode="auto">
+          <a:xfrm flipV="1">
+            <a:off x="4284663" y="4438650"/>
+            <a:ext cx="3175" cy="488950"/>
+          </a:xfrm>
+          <a:prstGeom prst="straightConnector1">
+            <a:avLst/>
+          </a:prstGeom>
+          <a:noFill/>
+          <a:ln w="9525">
+            <a:solidFill>
+              <a:schemeClr val="tx1"/>
+            </a:solidFill>
+            <a:round/>
+            <a:headEnd/>
+            <a:tailEnd type="triangle" w="med" len="med"/>
+          </a:ln>
+          <a:effectLst/>
+        </p:spPr>
+      </p:cxnSp>
+      <p:sp>
+        <p:nvSpPr>
+          <p:cNvPr id="30757" name="AutoShape 37"/>
+          <p:cNvSpPr>
+            <a:spLocks noChangeArrowheads="1"/>
+          </p:cNvSpPr>
+          <p:nvPr/>
+        </p:nvSpPr>
+        <p:spPr bwMode="auto">
+          <a:xfrm>
+            <a:off x="3924300" y="3068638"/>
+            <a:ext cx="720725" cy="503237"/>
+          </a:xfrm>
+          <a:prstGeom prst="flowChartDocument">
+            <a:avLst/>
+          </a:prstGeom>
+          <a:solidFill>
+            <a:schemeClr val="accent2"/>
+          </a:solidFill>
+          <a:ln w="9525" algn="ctr">
+            <a:solidFill>
+              <a:schemeClr val="tx1"/>
+            </a:solidFill>
+            <a:miter lim="800000"/>
+            <a:headEnd/>
+            <a:tailEnd/>
+          </a:ln>
+          <a:effectLst/>
+        </p:spPr>
+        <p:txBody>
+          <a:bodyPr anchor="ctr"/>
+          <a:lstStyle/>
+          <a:p>
+            <a:pPr algn="ctr"/>
+            <a:r>
+              <a:rPr lang="es-PE" sz="800"/>
+              <a:t>Mediciones</a:t>
+            </a:r>
+          </a:p>
+          <a:p>
+            <a:pPr algn="ctr"/>
+            <a:r>
+              <a:rPr lang="es-PE" sz="800"/>
+              <a:t>de Calidad</a:t>
+            </a:r>
+          </a:p>
+        </p:txBody>
+      </p:sp>
+      <p:cxnSp>
+        <p:nvCxnSpPr>
+          <p:cNvPr id="30758" name="AutoShape 38"/>
+          <p:cNvCxnSpPr>
+            <a:cxnSpLocks noChangeShapeType="1"/>
+            <a:stCxn id="30731" idx="0"/>
+            <a:endCxn id="30757" idx="2"/>
+          </p:cNvCxnSpPr>
+          <p:nvPr/>
+        </p:nvCxnSpPr>
+        <p:spPr bwMode="auto">
+          <a:xfrm flipH="1" flipV="1">
+            <a:off x="4284663" y="3543300"/>
+            <a:ext cx="3175" cy="390525"/>
+          </a:xfrm>
+          <a:prstGeom prst="straightConnector1">
+            <a:avLst/>
+          </a:prstGeom>
+          <a:noFill/>
+          <a:ln w="9525">
+            <a:solidFill>
+              <a:schemeClr val="tx1"/>
+            </a:solidFill>
+            <a:round/>
+            <a:headEnd/>
+            <a:tailEnd type="triangle" w="med" len="med"/>
+          </a:ln>
+          <a:effectLst/>
+        </p:spPr>
+      </p:cxnSp>
+      <p:cxnSp>
+        <p:nvCxnSpPr>
+          <p:cNvPr id="30759" name="AutoShape 39"/>
+          <p:cNvCxnSpPr>
+            <a:cxnSpLocks noChangeShapeType="1"/>
+            <a:stCxn id="30757" idx="0"/>
+            <a:endCxn id="30736" idx="2"/>
+          </p:cNvCxnSpPr>
+          <p:nvPr/>
+        </p:nvCxnSpPr>
+        <p:spPr bwMode="auto">
+          <a:xfrm flipH="1" flipV="1">
+            <a:off x="4279900" y="2708275"/>
+            <a:ext cx="4763" cy="360363"/>
+          </a:xfrm>
+          <a:prstGeom prst="straightConnector1">
+            <a:avLst/>
+          </a:prstGeom>
+          <a:noFill/>
+          <a:ln w="9525">
+            <a:solidFill>
+              <a:schemeClr val="tx1"/>
+            </a:solidFill>
+            <a:round/>
+            <a:headEnd/>
+            <a:tailEnd type="triangle" w="med" len="med"/>
+          </a:ln>
+          <a:effectLst/>
+        </p:spPr>
+      </p:cxnSp>
+      <p:cxnSp>
+        <p:nvCxnSpPr>
+          <p:cNvPr id="30760" name="AutoShape 40"/>
+          <p:cNvCxnSpPr>
+            <a:cxnSpLocks noChangeShapeType="1"/>
+            <a:stCxn id="30731" idx="1"/>
+            <a:endCxn id="30750" idx="3"/>
+          </p:cNvCxnSpPr>
+          <p:nvPr/>
+        </p:nvCxnSpPr>
+        <p:spPr bwMode="auto">
+          <a:xfrm flipH="1">
+            <a:off x="3276600" y="4186238"/>
+            <a:ext cx="542925" cy="0"/>
+          </a:xfrm>
+          <a:prstGeom prst="straightConnector1">
+            <a:avLst/>
+          </a:prstGeom>
+          <a:noFill/>
+          <a:ln w="9525">
+            <a:solidFill>
+              <a:schemeClr val="tx1"/>
+            </a:solidFill>
+            <a:round/>
+            <a:headEnd/>
+            <a:tailEnd type="triangle" w="med" len="med"/>
+          </a:ln>
+          <a:effectLst/>
+        </p:spPr>
+      </p:cxnSp>
+      <p:cxnSp>
+        <p:nvCxnSpPr>
+          <p:cNvPr id="30761" name="AutoShape 41"/>
+          <p:cNvCxnSpPr>
+            <a:cxnSpLocks noChangeShapeType="1"/>
+            <a:stCxn id="30736" idx="1"/>
+            <a:endCxn id="30749" idx="3"/>
+          </p:cNvCxnSpPr>
+          <p:nvPr/>
+        </p:nvCxnSpPr>
+        <p:spPr bwMode="auto">
+          <a:xfrm flipH="1">
+            <a:off x="3276600" y="2455863"/>
+            <a:ext cx="534988" cy="865187"/>
+          </a:xfrm>
+          <a:prstGeom prst="straightConnector1">
+            <a:avLst/>
+          </a:prstGeom>
+          <a:noFill/>
+          <a:ln w="9525">
+            <a:solidFill>
+              <a:schemeClr val="tx1"/>
+            </a:solidFill>
+            <a:round/>
+            <a:headEnd/>
+            <a:tailEnd type="triangle" w="med" len="med"/>
+          </a:ln>
+          <a:effectLst/>
+        </p:spPr>
+      </p:cxnSp>
+      <p:cxnSp>
+        <p:nvCxnSpPr>
+          <p:cNvPr id="30762" name="AutoShape 42"/>
+          <p:cNvCxnSpPr>
+            <a:cxnSpLocks noChangeShapeType="1"/>
+            <a:stCxn id="30740" idx="1"/>
+            <a:endCxn id="30731" idx="3"/>
+          </p:cNvCxnSpPr>
+          <p:nvPr/>
+        </p:nvCxnSpPr>
+        <p:spPr bwMode="auto">
+          <a:xfrm flipH="1">
+            <a:off x="4754563" y="3609975"/>
+            <a:ext cx="1674812" cy="576263"/>
+          </a:xfrm>
+          <a:prstGeom prst="straightConnector1">
+            <a:avLst/>
+          </a:prstGeom>
+          <a:noFill/>
+          <a:ln w="9525">
+            <a:solidFill>
+              <a:schemeClr val="tx1"/>
+            </a:solidFill>
+            <a:round/>
+            <a:headEnd/>
+            <a:tailEnd type="triangle" w="med" len="med"/>
+          </a:ln>
+          <a:effectLst/>
+        </p:spPr>
+      </p:cxnSp>
+      <p:sp>
+        <p:nvSpPr>
+          <p:cNvPr id="30763" name="AutoShape 43"/>
+          <p:cNvSpPr>
+            <a:spLocks noChangeArrowheads="1"/>
+          </p:cNvSpPr>
+          <p:nvPr/>
+        </p:nvSpPr>
+        <p:spPr bwMode="auto">
+          <a:xfrm>
+            <a:off x="6732588" y="3213100"/>
+            <a:ext cx="865187" cy="503238"/>
+          </a:xfrm>
+          <a:prstGeom prst="flowChartDocument">
+            <a:avLst/>
+          </a:prstGeom>
+          <a:solidFill>
+            <a:schemeClr val="accent2"/>
+          </a:solidFill>
+          <a:ln w="9525" algn="ctr">
+            <a:solidFill>
+              <a:schemeClr val="tx1"/>
+            </a:solidFill>
+            <a:miter lim="800000"/>
+            <a:headEnd/>
+            <a:tailEnd/>
+          </a:ln>
+          <a:effectLst/>
+        </p:spPr>
+        <p:txBody>
+          <a:bodyPr anchor="ctr"/>
+          <a:lstStyle/>
+          <a:p>
+            <a:pPr algn="ctr"/>
+            <a:r>
+              <a:rPr lang="es-PE" sz="800"/>
+              <a:t>Mediciones de performance</a:t>
+            </a:r>
           </a:p>
         </p:txBody>
       </p:sp>
@@ -17569,7 +18961,7 @@
       </p:grpSpPr>
       <p:sp>
         <p:nvSpPr>
-          <p:cNvPr id="15361" name="1 Título"/>
+          <p:cNvPr id="11265" name="1 Título"/>
           <p:cNvSpPr>
             <a:spLocks noGrp="1"/>
           </p:cNvSpPr>
@@ -17822,7 +19214,7 @@
       </p:grpSpPr>
       <p:sp>
         <p:nvSpPr>
-          <p:cNvPr id="16385" name="1 Título"/>
+          <p:cNvPr id="12289" name="1 Título"/>
           <p:cNvSpPr>
             <a:spLocks noGrp="1"/>
           </p:cNvSpPr>
@@ -17846,7 +19238,7 @@
       </p:sp>
       <p:sp>
         <p:nvSpPr>
-          <p:cNvPr id="16386" name="2 Marcador de contenido"/>
+          <p:cNvPr id="12290" name="2 Marcador de contenido"/>
           <p:cNvSpPr>
             <a:spLocks noGrp="1"/>
           </p:cNvSpPr>
@@ -17921,7 +19313,7 @@
       </p:grpSpPr>
       <p:sp>
         <p:nvSpPr>
-          <p:cNvPr id="17409" name="1 Título"/>
+          <p:cNvPr id="13313" name="1 Título"/>
           <p:cNvSpPr>
             <a:spLocks noGrp="1"/>
           </p:cNvSpPr>
@@ -17945,7 +19337,7 @@
       </p:sp>
       <p:pic>
         <p:nvPicPr>
-          <p:cNvPr id="17410" name="Picture 9"/>
+          <p:cNvPr id="13314" name="Picture 9"/>
           <p:cNvPicPr>
             <a:picLocks noChangeAspect="1" noChangeArrowheads="1"/>
           </p:cNvPicPr>
@@ -18009,7 +19401,7 @@
       </p:grpSpPr>
       <p:sp>
         <p:nvSpPr>
-          <p:cNvPr id="29698" name="1 Título"/>
+          <p:cNvPr id="14337" name="1 Título"/>
           <p:cNvSpPr>
             <a:spLocks noGrp="1"/>
           </p:cNvSpPr>
@@ -18033,7 +19425,7 @@
       </p:sp>
       <p:sp>
         <p:nvSpPr>
-          <p:cNvPr id="29699" name="2 Marcador de contenido"/>
+          <p:cNvPr id="14338" name="2 Marcador de contenido"/>
           <p:cNvSpPr>
             <a:spLocks noGrp="1"/>
           </p:cNvSpPr>
@@ -18117,7 +19509,7 @@
       </p:grpSpPr>
       <p:sp>
         <p:nvSpPr>
-          <p:cNvPr id="18433" name="1 Título"/>
+          <p:cNvPr id="15361" name="1 Título"/>
           <p:cNvSpPr>
             <a:spLocks noGrp="1"/>
           </p:cNvSpPr>
@@ -18141,7 +19533,7 @@
       </p:sp>
       <p:sp>
         <p:nvSpPr>
-          <p:cNvPr id="18434" name="2 Marcador de contenido"/>
+          <p:cNvPr id="15362" name="2 Marcador de contenido"/>
           <p:cNvSpPr>
             <a:spLocks noGrp="1"/>
           </p:cNvSpPr>
@@ -18208,7 +19600,7 @@
       </p:grpSpPr>
       <p:sp>
         <p:nvSpPr>
-          <p:cNvPr id="30722" name="1 Título"/>
+          <p:cNvPr id="16385" name="1 Título"/>
           <p:cNvSpPr>
             <a:spLocks noGrp="1"/>
           </p:cNvSpPr>
@@ -18232,7 +19624,7 @@
       </p:sp>
       <p:sp>
         <p:nvSpPr>
-          <p:cNvPr id="30723" name="2 Marcador de contenido"/>
+          <p:cNvPr id="16386" name="2 Marcador de contenido"/>
           <p:cNvSpPr>
             <a:spLocks noGrp="1"/>
           </p:cNvSpPr>
@@ -18323,7 +19715,7 @@
       </p:grpSpPr>
       <p:sp>
         <p:nvSpPr>
-          <p:cNvPr id="31746" name="1 Título"/>
+          <p:cNvPr id="17409" name="1 Título"/>
           <p:cNvSpPr>
             <a:spLocks noGrp="1"/>
           </p:cNvSpPr>

--- a/trunk/Sesion 10/presentacion.pptx
+++ b/trunk/Sesion 10/presentacion.pptx
@@ -341,7 +341,7 @@
               <a:pPr>
                 <a:defRPr/>
               </a:pPr>
-              <a:t>‹#›</a:t>
+              <a:t>‹Nº›</a:t>
             </a:fld>
             <a:endParaRPr lang="es-ES" dirty="0"/>
           </a:p>
@@ -600,7 +600,7 @@
               <a:pPr>
                 <a:defRPr/>
               </a:pPr>
-              <a:t>‹#›</a:t>
+              <a:t>‹Nº›</a:t>
             </a:fld>
             <a:endParaRPr lang="es-ES" dirty="0"/>
           </a:p>
@@ -979,7 +979,7 @@
               <a:pPr>
                 <a:defRPr/>
               </a:pPr>
-              <a:t>‹#›</a:t>
+              <a:t>‹Nº›</a:t>
             </a:fld>
             <a:endParaRPr lang="es-ES" dirty="0"/>
           </a:p>
@@ -1171,7 +1171,7 @@
               <a:pPr>
                 <a:defRPr/>
               </a:pPr>
-              <a:t>‹#›</a:t>
+              <a:t>‹Nº›</a:t>
             </a:fld>
             <a:endParaRPr lang="es-ES" dirty="0"/>
           </a:p>
@@ -1288,7 +1288,7 @@
               <a:pPr>
                 <a:defRPr/>
               </a:pPr>
-              <a:t>‹#›</a:t>
+              <a:t>‹Nº›</a:t>
             </a:fld>
             <a:endParaRPr lang="es-ES" dirty="0"/>
           </a:p>
@@ -1432,7 +1432,7 @@
               <a:pPr>
                 <a:defRPr/>
               </a:pPr>
-              <a:t>‹#›</a:t>
+              <a:t>‹Nº›</a:t>
             </a:fld>
             <a:endParaRPr lang="es-ES" dirty="0"/>
           </a:p>
@@ -1601,7 +1601,7 @@
               <a:pPr>
                 <a:defRPr/>
               </a:pPr>
-              <a:t>‹#›</a:t>
+              <a:t>‹Nº›</a:t>
             </a:fld>
             <a:endParaRPr lang="es-ES" dirty="0"/>
           </a:p>
@@ -1894,7 +1894,7 @@
               <a:pPr>
                 <a:defRPr/>
               </a:pPr>
-              <a:t>‹#›</a:t>
+              <a:t>‹Nº›</a:t>
             </a:fld>
             <a:endParaRPr lang="es-ES" dirty="0"/>
           </a:p>
@@ -2646,7 +2646,7 @@
         </p:nvGraphicFramePr>
         <p:xfrm>
           <a:off x="1187450" y="1773238"/>
-          <a:ext cx="6872288" cy="4032250"/>
+          <a:ext cx="6872288" cy="4032251"/>
         </p:xfrm>
         <a:graphic>
           <a:graphicData uri="http://schemas.openxmlformats.org/drawingml/2006/table">
@@ -4198,7 +4198,7 @@
           <p:nvPr/>
         </p:nvPicPr>
         <p:blipFill>
-          <a:blip r:embed="rId2"/>
+          <a:blip r:embed="rId2" cstate="print"/>
           <a:srcRect/>
           <a:stretch>
             <a:fillRect/>
@@ -4289,7 +4289,7 @@
         </p:nvGraphicFramePr>
         <p:xfrm>
           <a:off x="500063" y="1571625"/>
-          <a:ext cx="8229600" cy="4079875"/>
+          <a:ext cx="8229600" cy="4079240"/>
         </p:xfrm>
         <a:graphic>
           <a:graphicData uri="http://schemas.openxmlformats.org/drawingml/2006/table">
@@ -4727,7 +4727,7 @@
         </p:nvGraphicFramePr>
         <p:xfrm>
           <a:off x="1312863" y="1643063"/>
-          <a:ext cx="6643687" cy="3606800"/>
+          <a:ext cx="6643687" cy="3606802"/>
         </p:xfrm>
         <a:graphic>
           <a:graphicData uri="http://schemas.openxmlformats.org/drawingml/2006/table">
@@ -6516,7 +6516,7 @@
           <p:nvPr/>
         </p:nvPicPr>
         <p:blipFill>
-          <a:blip r:embed="rId2"/>
+          <a:blip r:embed="rId2" cstate="print"/>
           <a:srcRect/>
           <a:stretch>
             <a:fillRect/>
@@ -6638,7 +6638,7 @@
       </p:sp>
       <p:graphicFrame>
         <p:nvGraphicFramePr>
-          <p:cNvPr id="4" name="3 Tabla"/>
+          <p:cNvPr id="4" name="3 Marcador de contenido"/>
           <p:cNvGraphicFramePr>
             <a:graphicFrameLocks noGrp="1"/>
           </p:cNvGraphicFramePr>
@@ -6648,7 +6648,7 @@
         </p:nvGraphicFramePr>
         <p:xfrm>
           <a:off x="827088" y="1433513"/>
-          <a:ext cx="7570787" cy="4516437"/>
+          <a:ext cx="7570787" cy="4516439"/>
         </p:xfrm>
         <a:graphic>
           <a:graphicData uri="http://schemas.openxmlformats.org/drawingml/2006/table">
@@ -10605,6 +10605,13 @@
   <p:clrMapOvr>
     <a:masterClrMapping/>
   </p:clrMapOvr>
+  <p:timing>
+    <p:tnLst>
+      <p:par>
+        <p:cTn id="1" dur="indefinite" restart="never" nodeType="tmRoot"/>
+      </p:par>
+    </p:tnLst>
+  </p:timing>
 </p:sld>
 </file>
 
@@ -10711,6 +10718,13 @@
   <p:clrMapOvr>
     <a:masterClrMapping/>
   </p:clrMapOvr>
+  <p:timing>
+    <p:tnLst>
+      <p:par>
+        <p:cTn id="1" dur="indefinite" restart="never" nodeType="tmRoot"/>
+      </p:par>
+    </p:tnLst>
+  </p:timing>
 </p:sld>
 </file>
 
@@ -10765,7 +10779,7 @@
         </p:nvGraphicFramePr>
         <p:xfrm>
           <a:off x="323850" y="1268413"/>
-          <a:ext cx="8497888" cy="4784725"/>
+          <a:ext cx="8497888" cy="4785360"/>
         </p:xfrm>
         <a:graphic>
           <a:graphicData uri="http://schemas.openxmlformats.org/drawingml/2006/table">
@@ -16964,6 +16978,13 @@
   <p:clrMapOvr>
     <a:masterClrMapping/>
   </p:clrMapOvr>
+  <p:timing>
+    <p:tnLst>
+      <p:par>
+        <p:cTn id="1" dur="indefinite" restart="never" nodeType="tmRoot"/>
+      </p:par>
+    </p:tnLst>
+  </p:timing>
 </p:sld>
 </file>
 
@@ -17376,6 +17397,13 @@
   <p:clrMapOvr>
     <a:masterClrMapping/>
   </p:clrMapOvr>
+  <p:timing>
+    <p:tnLst>
+      <p:par>
+        <p:cTn id="1" dur="indefinite" restart="never" nodeType="tmRoot"/>
+      </p:par>
+    </p:tnLst>
+  </p:timing>
 </p:sld>
 </file>
 
@@ -17482,6 +17510,13 @@
   <p:clrMapOvr>
     <a:masterClrMapping/>
   </p:clrMapOvr>
+  <p:timing>
+    <p:tnLst>
+      <p:par>
+        <p:cTn id="1" dur="indefinite" restart="never" nodeType="tmRoot"/>
+      </p:par>
+    </p:tnLst>
+  </p:timing>
 </p:sld>
 </file>
 
@@ -18939,6 +18974,13 @@
   <p:clrMapOvr>
     <a:masterClrMapping/>
   </p:clrMapOvr>
+  <p:timing>
+    <p:tnLst>
+      <p:par>
+        <p:cTn id="1" dur="indefinite" restart="never" nodeType="tmRoot"/>
+      </p:par>
+    </p:tnLst>
+  </p:timing>
 </p:sld>
 </file>
 
@@ -19344,7 +19386,7 @@
           <p:nvPr/>
         </p:nvPicPr>
         <p:blipFill>
-          <a:blip r:embed="rId2"/>
+          <a:blip r:embed="rId2" cstate="print"/>
           <a:srcRect l="25977" t="33125" r="30078" b="10625"/>
           <a:stretch>
             <a:fillRect/>
@@ -19552,15 +19594,23 @@
           <a:lstStyle/>
           <a:p>
             <a:pPr eaLnBrk="1"/>
-            <a:endParaRPr lang="en-US" b="1" smtClean="0"/>
+            <a:endParaRPr lang="en-US" b="1" dirty="0" smtClean="0"/>
           </a:p>
           <a:p>
             <a:pPr eaLnBrk="1"/>
             <a:r>
               <a:rPr lang="es-MX" b="1" smtClean="0"/>
-              <a:t>Soportar las estrategias de fidelización</a:t>
+              <a:t>Incrementar </a:t>
             </a:r>
-            <a:endParaRPr lang="es-MX" smtClean="0">
+            <a:r>
+              <a:rPr lang="es-MX" b="1" dirty="0" smtClean="0"/>
+              <a:t>las ventas y soportar </a:t>
+            </a:r>
+            <a:r>
+              <a:rPr lang="es-MX" b="1" dirty="0" smtClean="0"/>
+              <a:t>las estrategias de fidelización</a:t>
+            </a:r>
+            <a:endParaRPr lang="es-MX" dirty="0" smtClean="0">
               <a:latin typeface="Calibri" pitchFamily="34" charset="0"/>
             </a:endParaRPr>
           </a:p>

--- a/trunk/Sesion 10/presentacion.pptx
+++ b/trunk/Sesion 10/presentacion.pptx
@@ -27,6 +27,7 @@
     <p:sldId id="275" r:id="rId21"/>
     <p:sldId id="276" r:id="rId22"/>
     <p:sldId id="277" r:id="rId23"/>
+    <p:sldId id="278" r:id="rId24"/>
   </p:sldIdLst>
   <p:sldSz cx="9144000" cy="6858000" type="screen4x3"/>
   <p:notesSz cx="6858000" cy="9144000"/>
@@ -47,7 +48,7 @@
         </a:solidFill>
         <a:latin typeface="Arial" charset="0"/>
         <a:ea typeface="+mn-ea"/>
-        <a:cs typeface="+mn-cs"/>
+        <a:cs typeface="Arial" charset="0"/>
       </a:defRPr>
     </a:lvl1pPr>
     <a:lvl2pPr marL="457200" algn="l" rtl="0" fontAlgn="base">
@@ -63,7 +64,7 @@
         </a:solidFill>
         <a:latin typeface="Arial" charset="0"/>
         <a:ea typeface="+mn-ea"/>
-        <a:cs typeface="+mn-cs"/>
+        <a:cs typeface="Arial" charset="0"/>
       </a:defRPr>
     </a:lvl2pPr>
     <a:lvl3pPr marL="914400" algn="l" rtl="0" fontAlgn="base">
@@ -79,7 +80,7 @@
         </a:solidFill>
         <a:latin typeface="Arial" charset="0"/>
         <a:ea typeface="+mn-ea"/>
-        <a:cs typeface="+mn-cs"/>
+        <a:cs typeface="Arial" charset="0"/>
       </a:defRPr>
     </a:lvl3pPr>
     <a:lvl4pPr marL="1371600" algn="l" rtl="0" fontAlgn="base">
@@ -95,7 +96,7 @@
         </a:solidFill>
         <a:latin typeface="Arial" charset="0"/>
         <a:ea typeface="+mn-ea"/>
-        <a:cs typeface="+mn-cs"/>
+        <a:cs typeface="Arial" charset="0"/>
       </a:defRPr>
     </a:lvl4pPr>
     <a:lvl5pPr marL="1828800" algn="l" rtl="0" fontAlgn="base">
@@ -111,7 +112,7 @@
         </a:solidFill>
         <a:latin typeface="Arial" charset="0"/>
         <a:ea typeface="+mn-ea"/>
-        <a:cs typeface="+mn-cs"/>
+        <a:cs typeface="Arial" charset="0"/>
       </a:defRPr>
     </a:lvl5pPr>
     <a:lvl6pPr marL="2286000" algn="l" defTabSz="914400" rtl="0" eaLnBrk="1" latinLnBrk="0" hangingPunct="1">
@@ -121,7 +122,7 @@
         </a:solidFill>
         <a:latin typeface="Arial" charset="0"/>
         <a:ea typeface="+mn-ea"/>
-        <a:cs typeface="+mn-cs"/>
+        <a:cs typeface="Arial" charset="0"/>
       </a:defRPr>
     </a:lvl6pPr>
     <a:lvl7pPr marL="2743200" algn="l" defTabSz="914400" rtl="0" eaLnBrk="1" latinLnBrk="0" hangingPunct="1">
@@ -131,7 +132,7 @@
         </a:solidFill>
         <a:latin typeface="Arial" charset="0"/>
         <a:ea typeface="+mn-ea"/>
-        <a:cs typeface="+mn-cs"/>
+        <a:cs typeface="Arial" charset="0"/>
       </a:defRPr>
     </a:lvl7pPr>
     <a:lvl8pPr marL="3200400" algn="l" defTabSz="914400" rtl="0" eaLnBrk="1" latinLnBrk="0" hangingPunct="1">
@@ -141,7 +142,7 @@
         </a:solidFill>
         <a:latin typeface="Arial" charset="0"/>
         <a:ea typeface="+mn-ea"/>
-        <a:cs typeface="+mn-cs"/>
+        <a:cs typeface="Arial" charset="0"/>
       </a:defRPr>
     </a:lvl8pPr>
     <a:lvl9pPr marL="3657600" algn="l" defTabSz="914400" rtl="0" eaLnBrk="1" latinLnBrk="0" hangingPunct="1">
@@ -151,7 +152,7 @@
         </a:solidFill>
         <a:latin typeface="Arial" charset="0"/>
         <a:ea typeface="+mn-ea"/>
-        <a:cs typeface="+mn-cs"/>
+        <a:cs typeface="Arial" charset="0"/>
       </a:defRPr>
     </a:lvl9pPr>
   </p:defaultTextStyle>
@@ -277,7 +278,7 @@
             <a:pPr>
               <a:defRPr/>
             </a:pPr>
-            <a:fld id="{777D6330-E956-4AED-8EA2-B3B36539794A}" type="datetimeFigureOut">
+            <a:fld id="{FF8983A4-B223-4911-BD75-3592B977265A}" type="datetimeFigureOut">
               <a:rPr lang="es-ES"/>
               <a:pPr>
                 <a:defRPr/>
@@ -336,12 +337,12 @@
             <a:pPr>
               <a:defRPr/>
             </a:pPr>
-            <a:fld id="{BD90CD76-103C-47BC-A4EF-220966218BA5}" type="slidenum">
+            <a:fld id="{20457190-D603-4354-BF8C-59F75F77E2CF}" type="slidenum">
               <a:rPr lang="es-ES"/>
               <a:pPr>
                 <a:defRPr/>
               </a:pPr>
-              <a:t>‹Nº›</a:t>
+              <a:t>‹#›</a:t>
             </a:fld>
             <a:endParaRPr lang="es-ES" dirty="0"/>
           </a:p>
@@ -536,7 +537,7 @@
             <a:pPr>
               <a:defRPr/>
             </a:pPr>
-            <a:fld id="{B13C721F-A012-46E7-8E19-6D0BFC2AB918}" type="datetimeFigureOut">
+            <a:fld id="{A8894413-47DD-402D-8857-F86980AB5A46}" type="datetimeFigureOut">
               <a:rPr lang="es-ES"/>
               <a:pPr>
                 <a:defRPr/>
@@ -595,12 +596,12 @@
             <a:pPr>
               <a:defRPr/>
             </a:pPr>
-            <a:fld id="{4A5905CC-7199-485B-BB2E-87D48D8C068B}" type="slidenum">
+            <a:fld id="{74C29317-369C-4772-BCA2-12BCF71DF0CC}" type="slidenum">
               <a:rPr lang="es-ES"/>
               <a:pPr>
                 <a:defRPr/>
               </a:pPr>
-              <a:t>‹Nº›</a:t>
+              <a:t>‹#›</a:t>
             </a:fld>
             <a:endParaRPr lang="es-ES" dirty="0"/>
           </a:p>
@@ -915,7 +916,7 @@
             <a:pPr>
               <a:defRPr/>
             </a:pPr>
-            <a:fld id="{904ADFB6-1005-41CD-845E-B1D937584500}" type="datetimeFigureOut">
+            <a:fld id="{E78B8F0E-9D28-4CD4-8DD0-AEA5AEA666B9}" type="datetimeFigureOut">
               <a:rPr lang="es-ES"/>
               <a:pPr>
                 <a:defRPr/>
@@ -974,12 +975,12 @@
             <a:pPr>
               <a:defRPr/>
             </a:pPr>
-            <a:fld id="{39B1D012-1226-4E88-A484-5E6B475F2C79}" type="slidenum">
+            <a:fld id="{FD1727F2-5AF8-4E9B-A75A-D3F53F2800FC}" type="slidenum">
               <a:rPr lang="es-ES"/>
               <a:pPr>
                 <a:defRPr/>
               </a:pPr>
-              <a:t>‹Nº›</a:t>
+              <a:t>‹#›</a:t>
             </a:fld>
             <a:endParaRPr lang="es-ES" dirty="0"/>
           </a:p>
@@ -1107,7 +1108,7 @@
             <a:pPr>
               <a:defRPr/>
             </a:pPr>
-            <a:fld id="{D3023F60-54C0-4791-8538-784BE308B730}" type="datetimeFigureOut">
+            <a:fld id="{AEF285CC-CA6D-485B-B523-978CB5B51CC5}" type="datetimeFigureOut">
               <a:rPr lang="es-ES"/>
               <a:pPr>
                 <a:defRPr/>
@@ -1166,12 +1167,12 @@
             <a:pPr>
               <a:defRPr/>
             </a:pPr>
-            <a:fld id="{66414258-21FA-4D9C-A9DB-33D8955D7B35}" type="slidenum">
+            <a:fld id="{891C521E-F2DC-4229-BC06-AA3548DFCFD7}" type="slidenum">
               <a:rPr lang="es-ES"/>
               <a:pPr>
                 <a:defRPr/>
               </a:pPr>
-              <a:t>‹Nº›</a:t>
+              <a:t>‹#›</a:t>
             </a:fld>
             <a:endParaRPr lang="es-ES" dirty="0"/>
           </a:p>
@@ -1224,7 +1225,7 @@
             <a:pPr>
               <a:defRPr/>
             </a:pPr>
-            <a:fld id="{C61B9123-CC31-42C0-BC2B-45D9ABD0E380}" type="datetimeFigureOut">
+            <a:fld id="{7296827A-1824-4C01-936B-A8F04DA8AE36}" type="datetimeFigureOut">
               <a:rPr lang="es-ES"/>
               <a:pPr>
                 <a:defRPr/>
@@ -1283,12 +1284,12 @@
             <a:pPr>
               <a:defRPr/>
             </a:pPr>
-            <a:fld id="{9689328F-D99B-4E6B-8BE0-E9E594235034}" type="slidenum">
+            <a:fld id="{27A3FC53-3B73-490B-B84D-E72900E8224C}" type="slidenum">
               <a:rPr lang="es-ES"/>
               <a:pPr>
                 <a:defRPr/>
               </a:pPr>
-              <a:t>‹Nº›</a:t>
+              <a:t>‹#›</a:t>
             </a:fld>
             <a:endParaRPr lang="es-ES" dirty="0"/>
           </a:p>
@@ -1368,7 +1369,7 @@
             <a:pPr>
               <a:defRPr/>
             </a:pPr>
-            <a:fld id="{E336E301-B597-4AD9-8068-4778E324BA04}" type="datetimeFigureOut">
+            <a:fld id="{E368E884-3F52-4BA7-828E-3A451B41BD9C}" type="datetimeFigureOut">
               <a:rPr lang="es-ES"/>
               <a:pPr>
                 <a:defRPr/>
@@ -1427,12 +1428,12 @@
             <a:pPr>
               <a:defRPr/>
             </a:pPr>
-            <a:fld id="{B8474C40-CB61-4BE7-B163-E3F7C7AA92EA}" type="slidenum">
+            <a:fld id="{68B089D8-FDD2-438D-9CBB-37BC3203DBE0}" type="slidenum">
               <a:rPr lang="es-ES"/>
               <a:pPr>
                 <a:defRPr/>
               </a:pPr>
-              <a:t>‹Nº›</a:t>
+              <a:t>‹#›</a:t>
             </a:fld>
             <a:endParaRPr lang="es-ES" dirty="0"/>
           </a:p>
@@ -1537,7 +1538,7 @@
             <a:pPr>
               <a:defRPr/>
             </a:pPr>
-            <a:fld id="{C1B25152-7ADB-41D8-AA95-6E19B908A5C4}" type="datetimeFigureOut">
+            <a:fld id="{DFEF5A45-3C08-4B82-8139-E9AAB2FF9D95}" type="datetimeFigureOut">
               <a:rPr lang="es-ES"/>
               <a:pPr>
                 <a:defRPr/>
@@ -1596,12 +1597,12 @@
             <a:pPr>
               <a:defRPr/>
             </a:pPr>
-            <a:fld id="{7ACB1749-C112-4E5A-9C3D-3AFEAB0B3C59}" type="slidenum">
+            <a:fld id="{1E025E0A-E51E-473D-957C-88C80DF24AA3}" type="slidenum">
               <a:rPr lang="es-ES"/>
               <a:pPr>
                 <a:defRPr/>
               </a:pPr>
-              <a:t>‹Nº›</a:t>
+              <a:t>‹#›</a:t>
             </a:fld>
             <a:endParaRPr lang="es-ES" dirty="0"/>
           </a:p>
@@ -1785,6 +1786,7 @@
                   <a:schemeClr val="tx2"/>
                 </a:solidFill>
                 <a:latin typeface="+mn-lt"/>
+                <a:cs typeface="+mn-cs"/>
               </a:defRPr>
             </a:lvl1pPr>
           </a:lstStyle>
@@ -1792,7 +1794,7 @@
             <a:pPr>
               <a:defRPr/>
             </a:pPr>
-            <a:fld id="{80CBA32C-BAB8-4675-9602-48555689F025}" type="datetimeFigureOut">
+            <a:fld id="{571B7BD8-8E0D-46B0-9694-C351EB837418}" type="datetimeFigureOut">
               <a:rPr lang="es-ES"/>
               <a:pPr>
                 <a:defRPr/>
@@ -1837,6 +1839,7 @@
                   <a:schemeClr val="tx2"/>
                 </a:solidFill>
                 <a:latin typeface="+mn-lt"/>
+                <a:cs typeface="+mn-cs"/>
               </a:defRPr>
             </a:lvl1pPr>
           </a:lstStyle>
@@ -1882,6 +1885,7 @@
                   <a:schemeClr val="tx2"/>
                 </a:solidFill>
                 <a:latin typeface="+mn-lt"/>
+                <a:cs typeface="+mn-cs"/>
               </a:defRPr>
             </a:lvl1pPr>
           </a:lstStyle>
@@ -1889,12 +1893,12 @@
             <a:pPr>
               <a:defRPr/>
             </a:pPr>
-            <a:fld id="{7CCC62E4-5927-4A22-B2C0-94094EEA34DB}" type="slidenum">
+            <a:fld id="{8121972B-1657-479D-8F32-13BCA027C7B0}" type="slidenum">
               <a:rPr lang="es-ES"/>
               <a:pPr>
                 <a:defRPr/>
               </a:pPr>
-              <a:t>‹Nº›</a:t>
+              <a:t>‹#›</a:t>
             </a:fld>
             <a:endParaRPr lang="es-ES" dirty="0"/>
           </a:p>
@@ -1943,6 +1947,7 @@
             </a:pPr>
             <a:endParaRPr lang="en-US" dirty="0">
               <a:latin typeface="+mn-lt"/>
+              <a:cs typeface="+mn-cs"/>
             </a:endParaRPr>
           </a:p>
         </p:txBody>
@@ -1979,7 +1984,9 @@
             <a:pPr>
               <a:defRPr/>
             </a:pPr>
-            <a:endParaRPr lang="es-ES"/>
+            <a:endParaRPr lang="es-ES">
+              <a:cs typeface="+mn-cs"/>
+            </a:endParaRPr>
           </a:p>
         </p:txBody>
       </p:sp>
@@ -2646,7 +2653,7 @@
         </p:nvGraphicFramePr>
         <p:xfrm>
           <a:off x="1187450" y="1773238"/>
-          <a:ext cx="6872288" cy="4032251"/>
+          <a:ext cx="6872288" cy="4032250"/>
         </p:xfrm>
         <a:graphic>
           <a:graphicData uri="http://schemas.openxmlformats.org/drawingml/2006/table">
@@ -4198,7 +4205,7 @@
           <p:nvPr/>
         </p:nvPicPr>
         <p:blipFill>
-          <a:blip r:embed="rId2" cstate="print"/>
+          <a:blip r:embed="rId2"/>
           <a:srcRect/>
           <a:stretch>
             <a:fillRect/>
@@ -4289,7 +4296,7 @@
         </p:nvGraphicFramePr>
         <p:xfrm>
           <a:off x="500063" y="1571625"/>
-          <a:ext cx="8229600" cy="4079240"/>
+          <a:ext cx="8229600" cy="4079875"/>
         </p:xfrm>
         <a:graphic>
           <a:graphicData uri="http://schemas.openxmlformats.org/drawingml/2006/table">
@@ -4727,7 +4734,7 @@
         </p:nvGraphicFramePr>
         <p:xfrm>
           <a:off x="1312863" y="1643063"/>
-          <a:ext cx="6643687" cy="3606802"/>
+          <a:ext cx="6643687" cy="3606800"/>
         </p:xfrm>
         <a:graphic>
           <a:graphicData uri="http://schemas.openxmlformats.org/drawingml/2006/table">
@@ -6516,7 +6523,7 @@
           <p:nvPr/>
         </p:nvPicPr>
         <p:blipFill>
-          <a:blip r:embed="rId2" cstate="print"/>
+          <a:blip r:embed="rId2"/>
           <a:srcRect/>
           <a:stretch>
             <a:fillRect/>
@@ -6571,12 +6578,12 @@
           <a:p>
             <a:r>
               <a:rPr lang="es-PE" sz="1200" b="1">
-                <a:latin typeface="Gill Sans MT"/>
+                <a:latin typeface="Gill Sans MT" pitchFamily="34" charset="0"/>
               </a:rPr>
               <a:t>FacPOS</a:t>
             </a:r>
             <a:endParaRPr lang="es-ES" sz="1200" b="1">
-              <a:latin typeface="Gill Sans MT"/>
+              <a:latin typeface="Gill Sans MT" pitchFamily="34" charset="0"/>
             </a:endParaRPr>
           </a:p>
         </p:txBody>
@@ -6648,7 +6655,7 @@
         </p:nvGraphicFramePr>
         <p:xfrm>
           <a:off x="827088" y="1433513"/>
-          <a:ext cx="7570787" cy="4516439"/>
+          <a:ext cx="7570787" cy="4516437"/>
         </p:xfrm>
         <a:graphic>
           <a:graphicData uri="http://schemas.openxmlformats.org/drawingml/2006/table">
@@ -9842,8 +9849,8 @@
           </p:nvCxnSpPr>
           <p:spPr>
             <a:xfrm rot="16200000" flipH="1">
-              <a:off x="664" y="2105"/>
-              <a:ext cx="1350" cy="23"/>
+              <a:off x="664" y="2106"/>
+              <a:ext cx="1349" cy="23"/>
             </a:xfrm>
             <a:prstGeom prst="line">
               <a:avLst/>
@@ -10404,7 +10411,6 @@
               <a:r>
                 <a:rPr lang="es-MX" sz="800">
                   <a:latin typeface="Calibri" pitchFamily="34" charset="0"/>
-                  <a:cs typeface="Arial" charset="0"/>
                 </a:rPr>
                 <a:t>EQUIPO DE GESTION DE PROYECTO</a:t>
               </a:r>
@@ -10445,7 +10451,6 @@
               <a:r>
                 <a:rPr lang="es-MX" sz="800">
                   <a:latin typeface="Calibri" pitchFamily="34" charset="0"/>
-                  <a:cs typeface="Arial" charset="0"/>
                 </a:rPr>
                 <a:t>EQUIPO DE EJECUCION DE PROYECTO</a:t>
               </a:r>
@@ -10486,7 +10491,6 @@
               <a:r>
                 <a:rPr lang="es-MX" sz="800">
                   <a:latin typeface="Calibri" pitchFamily="34" charset="0"/>
-                  <a:cs typeface="Arial" charset="0"/>
                 </a:rPr>
                 <a:t>EQUIPO INTEGRADO DE PROYECTO</a:t>
               </a:r>
@@ -10593,7 +10597,7 @@
                 <a:solidFill>
                   <a:srgbClr val="898989"/>
                 </a:solidFill>
-                <a:latin typeface="Gill Sans MT"/>
+                <a:latin typeface="Gill Sans MT" pitchFamily="34" charset="0"/>
               </a:rPr>
               <a:t>..\Sesion 4\POS_Matriz asignacion responsabilidades_v1_0.xls</a:t>
             </a:r>
@@ -10699,7 +10703,7 @@
                 <a:solidFill>
                   <a:srgbClr val="898989"/>
                 </a:solidFill>
-                <a:latin typeface="Gill Sans MT"/>
+                <a:latin typeface="Gill Sans MT" pitchFamily="34" charset="0"/>
                 <a:hlinkClick r:id="rId2" action="ppaction://hlinkfile"/>
               </a:rPr>
               <a:t>..\Sesion 4\POS_Matriz actividades calidad_v1_0.doc</a:t>
@@ -10708,7 +10712,7 @@
               <a:solidFill>
                 <a:srgbClr val="898989"/>
               </a:solidFill>
-              <a:latin typeface="Gill Sans MT"/>
+              <a:latin typeface="Gill Sans MT" pitchFamily="34" charset="0"/>
             </a:endParaRPr>
           </a:p>
         </p:txBody>
@@ -10779,7 +10783,7 @@
         </p:nvGraphicFramePr>
         <p:xfrm>
           <a:off x="323850" y="1268413"/>
-          <a:ext cx="8497888" cy="4785360"/>
+          <a:ext cx="8497888" cy="4784725"/>
         </p:xfrm>
         <a:graphic>
           <a:graphicData uri="http://schemas.openxmlformats.org/drawingml/2006/table">
@@ -16967,9 +16971,7 @@
           </a:bodyPr>
           <a:lstStyle/>
           <a:p>
-            <a:endParaRPr lang="en-US">
-              <a:cs typeface="Arial" charset="0"/>
-            </a:endParaRPr>
+            <a:endParaRPr lang="en-US"/>
           </a:p>
         </p:txBody>
       </p:sp>
@@ -17378,7 +17380,7 @@
                 <a:solidFill>
                   <a:srgbClr val="898989"/>
                 </a:solidFill>
-                <a:latin typeface="Gill Sans MT"/>
+                <a:latin typeface="Gill Sans MT" pitchFamily="34" charset="0"/>
                 <a:hlinkClick r:id="rId2" action="ppaction://hlinkfile"/>
               </a:rPr>
               <a:t>..\Sesion 6\POS_Plan de respuesta a los Riesgos.doc</a:t>
@@ -17387,7 +17389,7 @@
               <a:solidFill>
                 <a:srgbClr val="898989"/>
               </a:solidFill>
-              <a:latin typeface="Gill Sans MT"/>
+              <a:latin typeface="Gill Sans MT" pitchFamily="34" charset="0"/>
             </a:endParaRPr>
           </a:p>
         </p:txBody>
@@ -17491,7 +17493,7 @@
                 <a:solidFill>
                   <a:srgbClr val="898989"/>
                 </a:solidFill>
-                <a:latin typeface="Gill Sans MT"/>
+                <a:latin typeface="Gill Sans MT" pitchFamily="34" charset="0"/>
                 <a:hlinkClick r:id="rId2" action="ppaction://hlinkfile"/>
               </a:rPr>
               <a:t>..\Sesión 5\POS_Matriz de Adquisiciones del Proyecto.doc</a:t>
@@ -17500,7 +17502,7 @@
               <a:solidFill>
                 <a:srgbClr val="898989"/>
               </a:solidFill>
-              <a:latin typeface="Gill Sans MT"/>
+              <a:latin typeface="Gill Sans MT" pitchFamily="34" charset="0"/>
             </a:endParaRPr>
           </a:p>
         </p:txBody>
@@ -17562,7 +17564,7 @@
       </p:sp>
       <p:grpSp>
         <p:nvGrpSpPr>
-          <p:cNvPr id="30723" name="Group 3"/>
+          <p:cNvPr id="30722" name="Group 3"/>
           <p:cNvGrpSpPr>
             <a:grpSpLocks/>
           </p:cNvGrpSpPr>
@@ -17578,7 +17580,7 @@
         </p:grpSpPr>
         <p:sp>
           <p:nvSpPr>
-            <p:cNvPr id="30724" name="Text Box 4"/>
+            <p:cNvPr id="30755" name="Text Box 4"/>
             <p:cNvSpPr txBox="1">
               <a:spLocks noChangeArrowheads="1"/>
             </p:cNvSpPr>
@@ -17621,7 +17623,7 @@
         </p:sp>
         <p:sp>
           <p:nvSpPr>
-            <p:cNvPr id="30725" name="Text Box 5"/>
+            <p:cNvPr id="30756" name="Text Box 5"/>
             <p:cNvSpPr txBox="1">
               <a:spLocks noChangeArrowheads="1"/>
             </p:cNvSpPr>
@@ -17664,7 +17666,7 @@
         </p:sp>
         <p:sp>
           <p:nvSpPr>
-            <p:cNvPr id="30726" name="Text Box 6"/>
+            <p:cNvPr id="30757" name="Text Box 6"/>
             <p:cNvSpPr txBox="1">
               <a:spLocks noChangeArrowheads="1"/>
             </p:cNvSpPr>
@@ -17707,7 +17709,7 @@
         </p:sp>
         <p:sp>
           <p:nvSpPr>
-            <p:cNvPr id="30727" name="Text Box 7"/>
+            <p:cNvPr id="30758" name="Text Box 7"/>
             <p:cNvSpPr txBox="1">
               <a:spLocks noChangeArrowheads="1"/>
             </p:cNvSpPr>
@@ -17750,7 +17752,7 @@
         </p:sp>
         <p:sp>
           <p:nvSpPr>
-            <p:cNvPr id="30728" name="Line 8"/>
+            <p:cNvPr id="30759" name="Line 8"/>
             <p:cNvSpPr>
               <a:spLocks noChangeShapeType="1"/>
             </p:cNvSpPr>
@@ -17778,13 +17780,13 @@
             <a:bodyPr/>
             <a:lstStyle/>
             <a:p>
-              <a:endParaRPr lang="es-ES"/>
+              <a:endParaRPr lang="en-US"/>
             </a:p>
           </p:txBody>
         </p:sp>
         <p:sp>
           <p:nvSpPr>
-            <p:cNvPr id="30729" name="Line 9"/>
+            <p:cNvPr id="30760" name="Line 9"/>
             <p:cNvSpPr>
               <a:spLocks noChangeShapeType="1"/>
             </p:cNvSpPr>
@@ -17812,13 +17814,13 @@
             <a:bodyPr/>
             <a:lstStyle/>
             <a:p>
-              <a:endParaRPr lang="es-ES"/>
+              <a:endParaRPr lang="en-US"/>
             </a:p>
           </p:txBody>
         </p:sp>
         <p:sp>
           <p:nvSpPr>
-            <p:cNvPr id="30730" name="Line 10"/>
+            <p:cNvPr id="30761" name="Line 10"/>
             <p:cNvSpPr>
               <a:spLocks noChangeShapeType="1"/>
             </p:cNvSpPr>
@@ -17846,14 +17848,14 @@
             <a:bodyPr/>
             <a:lstStyle/>
             <a:p>
-              <a:endParaRPr lang="es-ES"/>
+              <a:endParaRPr lang="en-US"/>
             </a:p>
           </p:txBody>
         </p:sp>
       </p:grpSp>
       <p:sp>
         <p:nvSpPr>
-          <p:cNvPr id="30731" name="Rectangle 11"/>
+          <p:cNvPr id="30723" name="Rectangle 11"/>
           <p:cNvSpPr>
             <a:spLocks noChangeArrowheads="1"/>
           </p:cNvSpPr>
@@ -17878,7 +17880,6 @@
             <a:headEnd/>
             <a:tailEnd/>
           </a:ln>
-          <a:effectLst/>
         </p:spPr>
         <p:txBody>
           <a:bodyPr anchor="ctr"/>
@@ -17894,7 +17895,7 @@
       </p:sp>
       <p:sp>
         <p:nvSpPr>
-          <p:cNvPr id="30733" name="Rectangle 13"/>
+          <p:cNvPr id="30724" name="Rectangle 13"/>
           <p:cNvSpPr>
             <a:spLocks noChangeArrowheads="1"/>
           </p:cNvSpPr>
@@ -17911,12 +17912,11 @@
           <a:solidFill>
             <a:schemeClr val="accent2"/>
           </a:solidFill>
-          <a:ln w="9525" algn="ctr">
+          <a:ln w="9525">
             <a:miter lim="800000"/>
             <a:headEnd/>
             <a:tailEnd/>
           </a:ln>
-          <a:effectLst/>
           <a:scene3d>
             <a:camera prst="legacyObliqueTopRight"/>
             <a:lightRig rig="legacyFlat3" dir="b"/>
@@ -17945,7 +17945,7 @@
       </p:sp>
       <p:sp>
         <p:nvSpPr>
-          <p:cNvPr id="30734" name="Rectangle 14"/>
+          <p:cNvPr id="30725" name="Rectangle 14"/>
           <p:cNvSpPr>
             <a:spLocks noChangeArrowheads="1"/>
           </p:cNvSpPr>
@@ -17969,19 +17969,18 @@
             <a:headEnd/>
             <a:tailEnd/>
           </a:ln>
-          <a:effectLst/>
         </p:spPr>
         <p:txBody>
           <a:bodyPr wrap="none" anchor="ctr"/>
           <a:lstStyle/>
           <a:p>
-            <a:endParaRPr lang="es-ES"/>
+            <a:endParaRPr lang="en-US"/>
           </a:p>
         </p:txBody>
       </p:sp>
       <p:sp>
         <p:nvSpPr>
-          <p:cNvPr id="30735" name="Text Box 15"/>
+          <p:cNvPr id="30726" name="Text Box 15"/>
           <p:cNvSpPr txBox="1">
             <a:spLocks noChangeArrowheads="1"/>
           </p:cNvSpPr>
@@ -18002,7 +18001,6 @@
             <a:headEnd/>
             <a:tailEnd/>
           </a:ln>
-          <a:effectLst/>
         </p:spPr>
         <p:txBody>
           <a:bodyPr wrap="none">
@@ -18019,7 +18017,7 @@
       </p:sp>
       <p:sp>
         <p:nvSpPr>
-          <p:cNvPr id="30736" name="Rectangle 16"/>
+          <p:cNvPr id="30727" name="Rectangle 16"/>
           <p:cNvSpPr>
             <a:spLocks noChangeArrowheads="1"/>
           </p:cNvSpPr>
@@ -18044,7 +18042,6 @@
             <a:headEnd/>
             <a:tailEnd/>
           </a:ln>
-          <a:effectLst/>
         </p:spPr>
         <p:txBody>
           <a:bodyPr anchor="ctr"/>
@@ -18060,7 +18057,7 @@
       </p:sp>
       <p:grpSp>
         <p:nvGrpSpPr>
-          <p:cNvPr id="30746" name="Group 26"/>
+          <p:cNvPr id="30728" name="Group 26"/>
           <p:cNvGrpSpPr>
             <a:grpSpLocks/>
           </p:cNvGrpSpPr>
@@ -18076,7 +18073,7 @@
         </p:grpSpPr>
         <p:sp>
           <p:nvSpPr>
-            <p:cNvPr id="30737" name="Rectangle 17"/>
+            <p:cNvPr id="30753" name="Rectangle 17"/>
             <p:cNvSpPr>
               <a:spLocks noChangeArrowheads="1"/>
             </p:cNvSpPr>
@@ -18100,19 +18097,18 @@
               <a:headEnd/>
               <a:tailEnd/>
             </a:ln>
-            <a:effectLst/>
           </p:spPr>
           <p:txBody>
             <a:bodyPr wrap="none" anchor="ctr"/>
             <a:lstStyle/>
             <a:p>
-              <a:endParaRPr lang="es-ES"/>
+              <a:endParaRPr lang="en-US"/>
             </a:p>
           </p:txBody>
         </p:sp>
         <p:sp>
           <p:nvSpPr>
-            <p:cNvPr id="30738" name="Text Box 18"/>
+            <p:cNvPr id="30754" name="Text Box 18"/>
             <p:cNvSpPr txBox="1">
               <a:spLocks noChangeArrowheads="1"/>
             </p:cNvSpPr>
@@ -18133,7 +18129,6 @@
               <a:headEnd/>
               <a:tailEnd/>
             </a:ln>
-            <a:effectLst/>
           </p:spPr>
           <p:txBody>
             <a:bodyPr wrap="none">
@@ -18151,7 +18146,7 @@
       </p:grpSp>
       <p:sp>
         <p:nvSpPr>
-          <p:cNvPr id="30739" name="Rectangle 19"/>
+          <p:cNvPr id="30729" name="Rectangle 19"/>
           <p:cNvSpPr>
             <a:spLocks noChangeArrowheads="1"/>
           </p:cNvSpPr>
@@ -18168,12 +18163,11 @@
           <a:solidFill>
             <a:schemeClr val="accent2"/>
           </a:solidFill>
-          <a:ln w="9525" algn="ctr">
+          <a:ln w="9525">
             <a:miter lim="800000"/>
             <a:headEnd/>
             <a:tailEnd/>
           </a:ln>
-          <a:effectLst/>
           <a:scene3d>
             <a:camera prst="legacyObliqueTopRight"/>
             <a:lightRig rig="legacyFlat3" dir="b"/>
@@ -18202,7 +18196,7 @@
       </p:sp>
       <p:grpSp>
         <p:nvGrpSpPr>
-          <p:cNvPr id="30745" name="Group 25"/>
+          <p:cNvPr id="30730" name="Group 25"/>
           <p:cNvGrpSpPr>
             <a:grpSpLocks/>
           </p:cNvGrpSpPr>
@@ -18218,7 +18212,7 @@
         </p:grpSpPr>
         <p:sp>
           <p:nvSpPr>
-            <p:cNvPr id="30740" name="Rectangle 20"/>
+            <p:cNvPr id="30751" name="Rectangle 20"/>
             <p:cNvSpPr>
               <a:spLocks noChangeArrowheads="1"/>
             </p:cNvSpPr>
@@ -18242,19 +18236,18 @@
               <a:headEnd/>
               <a:tailEnd/>
             </a:ln>
-            <a:effectLst/>
           </p:spPr>
           <p:txBody>
             <a:bodyPr wrap="none" anchor="ctr"/>
             <a:lstStyle/>
             <a:p>
-              <a:endParaRPr lang="es-ES"/>
+              <a:endParaRPr lang="en-US"/>
             </a:p>
           </p:txBody>
         </p:sp>
         <p:sp>
           <p:nvSpPr>
-            <p:cNvPr id="30741" name="Text Box 21"/>
+            <p:cNvPr id="30752" name="Text Box 21"/>
             <p:cNvSpPr txBox="1">
               <a:spLocks noChangeArrowheads="1"/>
             </p:cNvSpPr>
@@ -18275,7 +18268,6 @@
               <a:headEnd/>
               <a:tailEnd/>
             </a:ln>
-            <a:effectLst/>
           </p:spPr>
           <p:txBody>
             <a:bodyPr wrap="none">
@@ -18293,7 +18285,7 @@
       </p:grpSp>
       <p:grpSp>
         <p:nvGrpSpPr>
-          <p:cNvPr id="30744" name="Group 24"/>
+          <p:cNvPr id="30731" name="Group 24"/>
           <p:cNvGrpSpPr>
             <a:grpSpLocks/>
           </p:cNvGrpSpPr>
@@ -18309,7 +18301,7 @@
         </p:grpSpPr>
         <p:sp>
           <p:nvSpPr>
-            <p:cNvPr id="30742" name="Rectangle 22"/>
+            <p:cNvPr id="30749" name="Rectangle 22"/>
             <p:cNvSpPr>
               <a:spLocks noChangeArrowheads="1"/>
             </p:cNvSpPr>
@@ -18333,19 +18325,18 @@
               <a:headEnd/>
               <a:tailEnd/>
             </a:ln>
-            <a:effectLst/>
           </p:spPr>
           <p:txBody>
             <a:bodyPr wrap="none" anchor="ctr"/>
             <a:lstStyle/>
             <a:p>
-              <a:endParaRPr lang="es-ES"/>
+              <a:endParaRPr lang="en-US"/>
             </a:p>
           </p:txBody>
         </p:sp>
         <p:sp>
           <p:nvSpPr>
-            <p:cNvPr id="30743" name="Text Box 23"/>
+            <p:cNvPr id="30750" name="Text Box 23"/>
             <p:cNvSpPr txBox="1">
               <a:spLocks noChangeArrowheads="1"/>
             </p:cNvSpPr>
@@ -18366,7 +18357,6 @@
               <a:headEnd/>
               <a:tailEnd/>
             </a:ln>
-            <a:effectLst/>
           </p:spPr>
           <p:txBody>
             <a:bodyPr>
@@ -18392,11 +18382,11 @@
       </p:grpSp>
       <p:cxnSp>
         <p:nvCxnSpPr>
-          <p:cNvPr id="30747" name="AutoShape 27"/>
+          <p:cNvPr id="30732" name="AutoShape 27"/>
           <p:cNvCxnSpPr>
             <a:cxnSpLocks noChangeShapeType="1"/>
-            <a:stCxn id="30734" idx="3"/>
-            <a:endCxn id="30739" idx="1"/>
+            <a:stCxn id="30725" idx="3"/>
+            <a:endCxn id="30729" idx="1"/>
           </p:cNvCxnSpPr>
           <p:nvPr/>
         </p:nvCxnSpPr>
@@ -18417,16 +18407,15 @@
             <a:headEnd/>
             <a:tailEnd type="triangle" w="med" len="med"/>
           </a:ln>
-          <a:effectLst/>
         </p:spPr>
       </p:cxnSp>
       <p:cxnSp>
         <p:nvCxnSpPr>
-          <p:cNvPr id="30748" name="AutoShape 28"/>
+          <p:cNvPr id="30733" name="AutoShape 28"/>
           <p:cNvCxnSpPr>
             <a:cxnSpLocks noChangeShapeType="1"/>
-            <a:stCxn id="30739" idx="3"/>
-            <a:endCxn id="30737" idx="1"/>
+            <a:stCxn id="30729" idx="3"/>
+            <a:endCxn id="30753" idx="1"/>
           </p:cNvCxnSpPr>
           <p:nvPr/>
         </p:nvCxnSpPr>
@@ -18447,12 +18436,11 @@
             <a:headEnd/>
             <a:tailEnd type="triangle" w="med" len="med"/>
           </a:ln>
-          <a:effectLst/>
         </p:spPr>
       </p:cxnSp>
       <p:sp>
         <p:nvSpPr>
-          <p:cNvPr id="30749" name="AutoShape 29"/>
+          <p:cNvPr id="30734" name="AutoShape 29"/>
           <p:cNvSpPr>
             <a:spLocks noChangeArrowheads="1"/>
           </p:cNvSpPr>
@@ -18477,7 +18465,6 @@
             <a:headEnd/>
             <a:tailEnd/>
           </a:ln>
-          <a:effectLst/>
         </p:spPr>
         <p:txBody>
           <a:bodyPr anchor="ctr"/>
@@ -18493,7 +18480,7 @@
       </p:sp>
       <p:sp>
         <p:nvSpPr>
-          <p:cNvPr id="30750" name="AutoShape 30"/>
+          <p:cNvPr id="30735" name="AutoShape 30"/>
           <p:cNvSpPr>
             <a:spLocks noChangeArrowheads="1"/>
           </p:cNvSpPr>
@@ -18518,7 +18505,6 @@
             <a:headEnd/>
             <a:tailEnd/>
           </a:ln>
-          <a:effectLst/>
         </p:spPr>
         <p:txBody>
           <a:bodyPr anchor="ctr"/>
@@ -18534,7 +18520,7 @@
       </p:sp>
       <p:sp>
         <p:nvSpPr>
-          <p:cNvPr id="30751" name="AutoShape 31"/>
+          <p:cNvPr id="30736" name="AutoShape 31"/>
           <p:cNvSpPr>
             <a:spLocks noChangeArrowheads="1"/>
           </p:cNvSpPr>
@@ -18559,7 +18545,6 @@
             <a:headEnd/>
             <a:tailEnd/>
           </a:ln>
-          <a:effectLst/>
         </p:spPr>
         <p:txBody>
           <a:bodyPr anchor="ctr"/>
@@ -18582,11 +18567,11 @@
       </p:sp>
       <p:cxnSp>
         <p:nvCxnSpPr>
-          <p:cNvPr id="30752" name="AutoShape 32"/>
+          <p:cNvPr id="30737" name="AutoShape 32"/>
           <p:cNvCxnSpPr>
             <a:cxnSpLocks noChangeShapeType="1"/>
-            <a:stCxn id="30751" idx="3"/>
-            <a:endCxn id="30734" idx="1"/>
+            <a:stCxn id="30736" idx="3"/>
+            <a:endCxn id="30725" idx="1"/>
           </p:cNvCxnSpPr>
           <p:nvPr/>
         </p:nvCxnSpPr>
@@ -18607,16 +18592,15 @@
             <a:headEnd/>
             <a:tailEnd type="triangle" w="med" len="med"/>
           </a:ln>
-          <a:effectLst/>
         </p:spPr>
       </p:cxnSp>
       <p:cxnSp>
         <p:nvCxnSpPr>
-          <p:cNvPr id="30753" name="AutoShape 33"/>
+          <p:cNvPr id="30738" name="AutoShape 33"/>
           <p:cNvCxnSpPr>
             <a:cxnSpLocks noChangeShapeType="1"/>
-            <a:stCxn id="30742" idx="2"/>
-            <a:endCxn id="30751" idx="1"/>
+            <a:stCxn id="30749" idx="2"/>
+            <a:endCxn id="30736" idx="1"/>
           </p:cNvCxnSpPr>
           <p:nvPr/>
         </p:nvCxnSpPr>
@@ -18637,16 +18621,15 @@
             <a:headEnd/>
             <a:tailEnd type="triangle" w="med" len="med"/>
           </a:ln>
-          <a:effectLst/>
         </p:spPr>
       </p:cxnSp>
       <p:cxnSp>
         <p:nvCxnSpPr>
-          <p:cNvPr id="30754" name="AutoShape 34"/>
+          <p:cNvPr id="30739" name="AutoShape 34"/>
           <p:cNvCxnSpPr>
             <a:cxnSpLocks noChangeShapeType="1"/>
-            <a:stCxn id="30749" idx="1"/>
-            <a:endCxn id="30742" idx="3"/>
+            <a:stCxn id="30734" idx="1"/>
+            <a:endCxn id="30749" idx="3"/>
           </p:cNvCxnSpPr>
           <p:nvPr/>
         </p:nvCxnSpPr>
@@ -18667,16 +18650,15 @@
             <a:headEnd/>
             <a:tailEnd type="triangle" w="med" len="med"/>
           </a:ln>
-          <a:effectLst/>
         </p:spPr>
       </p:cxnSp>
       <p:cxnSp>
         <p:nvCxnSpPr>
-          <p:cNvPr id="30755" name="AutoShape 35"/>
+          <p:cNvPr id="30740" name="AutoShape 35"/>
           <p:cNvCxnSpPr>
             <a:cxnSpLocks noChangeShapeType="1"/>
-            <a:stCxn id="30750" idx="1"/>
-            <a:endCxn id="30742" idx="3"/>
+            <a:stCxn id="30735" idx="1"/>
+            <a:endCxn id="30749" idx="3"/>
           </p:cNvCxnSpPr>
           <p:nvPr/>
         </p:nvCxnSpPr>
@@ -18697,16 +18679,15 @@
             <a:headEnd/>
             <a:tailEnd type="triangle" w="med" len="med"/>
           </a:ln>
-          <a:effectLst/>
         </p:spPr>
       </p:cxnSp>
       <p:cxnSp>
         <p:nvCxnSpPr>
-          <p:cNvPr id="30756" name="AutoShape 36"/>
+          <p:cNvPr id="30741" name="AutoShape 36"/>
           <p:cNvCxnSpPr>
             <a:cxnSpLocks noChangeShapeType="1"/>
-            <a:stCxn id="30734" idx="0"/>
-            <a:endCxn id="30731" idx="2"/>
+            <a:stCxn id="30725" idx="0"/>
+            <a:endCxn id="30723" idx="2"/>
           </p:cNvCxnSpPr>
           <p:nvPr/>
         </p:nvCxnSpPr>
@@ -18727,12 +18708,11 @@
             <a:headEnd/>
             <a:tailEnd type="triangle" w="med" len="med"/>
           </a:ln>
-          <a:effectLst/>
         </p:spPr>
       </p:cxnSp>
       <p:sp>
         <p:nvSpPr>
-          <p:cNvPr id="30757" name="AutoShape 37"/>
+          <p:cNvPr id="30742" name="AutoShape 37"/>
           <p:cNvSpPr>
             <a:spLocks noChangeArrowheads="1"/>
           </p:cNvSpPr>
@@ -18757,7 +18737,6 @@
             <a:headEnd/>
             <a:tailEnd/>
           </a:ln>
-          <a:effectLst/>
         </p:spPr>
         <p:txBody>
           <a:bodyPr anchor="ctr"/>
@@ -18780,11 +18759,11 @@
       </p:sp>
       <p:cxnSp>
         <p:nvCxnSpPr>
-          <p:cNvPr id="30758" name="AutoShape 38"/>
+          <p:cNvPr id="30743" name="AutoShape 38"/>
           <p:cNvCxnSpPr>
             <a:cxnSpLocks noChangeShapeType="1"/>
-            <a:stCxn id="30731" idx="0"/>
-            <a:endCxn id="30757" idx="2"/>
+            <a:stCxn id="30723" idx="0"/>
+            <a:endCxn id="30742" idx="2"/>
           </p:cNvCxnSpPr>
           <p:nvPr/>
         </p:nvCxnSpPr>
@@ -18805,16 +18784,15 @@
             <a:headEnd/>
             <a:tailEnd type="triangle" w="med" len="med"/>
           </a:ln>
-          <a:effectLst/>
         </p:spPr>
       </p:cxnSp>
       <p:cxnSp>
         <p:nvCxnSpPr>
-          <p:cNvPr id="30759" name="AutoShape 39"/>
+          <p:cNvPr id="30744" name="AutoShape 39"/>
           <p:cNvCxnSpPr>
             <a:cxnSpLocks noChangeShapeType="1"/>
-            <a:stCxn id="30757" idx="0"/>
-            <a:endCxn id="30736" idx="2"/>
+            <a:stCxn id="30742" idx="0"/>
+            <a:endCxn id="30727" idx="2"/>
           </p:cNvCxnSpPr>
           <p:nvPr/>
         </p:nvCxnSpPr>
@@ -18835,16 +18813,15 @@
             <a:headEnd/>
             <a:tailEnd type="triangle" w="med" len="med"/>
           </a:ln>
-          <a:effectLst/>
         </p:spPr>
       </p:cxnSp>
       <p:cxnSp>
         <p:nvCxnSpPr>
-          <p:cNvPr id="30760" name="AutoShape 40"/>
+          <p:cNvPr id="30745" name="AutoShape 40"/>
           <p:cNvCxnSpPr>
             <a:cxnSpLocks noChangeShapeType="1"/>
-            <a:stCxn id="30731" idx="1"/>
-            <a:endCxn id="30750" idx="3"/>
+            <a:stCxn id="30723" idx="1"/>
+            <a:endCxn id="30735" idx="3"/>
           </p:cNvCxnSpPr>
           <p:nvPr/>
         </p:nvCxnSpPr>
@@ -18865,16 +18842,15 @@
             <a:headEnd/>
             <a:tailEnd type="triangle" w="med" len="med"/>
           </a:ln>
-          <a:effectLst/>
         </p:spPr>
       </p:cxnSp>
       <p:cxnSp>
         <p:nvCxnSpPr>
-          <p:cNvPr id="30761" name="AutoShape 41"/>
+          <p:cNvPr id="30746" name="AutoShape 41"/>
           <p:cNvCxnSpPr>
             <a:cxnSpLocks noChangeShapeType="1"/>
-            <a:stCxn id="30736" idx="1"/>
-            <a:endCxn id="30749" idx="3"/>
+            <a:stCxn id="30727" idx="1"/>
+            <a:endCxn id="30734" idx="3"/>
           </p:cNvCxnSpPr>
           <p:nvPr/>
         </p:nvCxnSpPr>
@@ -18895,16 +18871,15 @@
             <a:headEnd/>
             <a:tailEnd type="triangle" w="med" len="med"/>
           </a:ln>
-          <a:effectLst/>
         </p:spPr>
       </p:cxnSp>
       <p:cxnSp>
         <p:nvCxnSpPr>
-          <p:cNvPr id="30762" name="AutoShape 42"/>
+          <p:cNvPr id="30747" name="AutoShape 42"/>
           <p:cNvCxnSpPr>
             <a:cxnSpLocks noChangeShapeType="1"/>
-            <a:stCxn id="30740" idx="1"/>
-            <a:endCxn id="30731" idx="3"/>
+            <a:stCxn id="30751" idx="1"/>
+            <a:endCxn id="30723" idx="3"/>
           </p:cNvCxnSpPr>
           <p:nvPr/>
         </p:nvCxnSpPr>
@@ -18925,12 +18900,11 @@
             <a:headEnd/>
             <a:tailEnd type="triangle" w="med" len="med"/>
           </a:ln>
-          <a:effectLst/>
         </p:spPr>
       </p:cxnSp>
       <p:sp>
         <p:nvSpPr>
-          <p:cNvPr id="30763" name="AutoShape 43"/>
+          <p:cNvPr id="30748" name="AutoShape 43"/>
           <p:cNvSpPr>
             <a:spLocks noChangeArrowheads="1"/>
           </p:cNvSpPr>
@@ -18955,7 +18929,6 @@
             <a:headEnd/>
             <a:tailEnd/>
           </a:ln>
-          <a:effectLst/>
         </p:spPr>
         <p:txBody>
           <a:bodyPr anchor="ctr"/>
@@ -18965,6 +18938,76 @@
             <a:r>
               <a:rPr lang="es-PE" sz="800"/>
               <a:t>Mediciones de performance</a:t>
+            </a:r>
+          </a:p>
+        </p:txBody>
+      </p:sp>
+    </p:spTree>
+  </p:cSld>
+  <p:clrMapOvr>
+    <a:masterClrMapping/>
+  </p:clrMapOvr>
+  <p:timing>
+    <p:tnLst>
+      <p:par>
+        <p:cTn id="1" dur="indefinite" restart="never" nodeType="tmRoot"/>
+      </p:par>
+    </p:tnLst>
+  </p:timing>
+</p:sld>
+</file>
+
+<file path=ppt/slides/slide23.xml><?xml version="1.0" encoding="utf-8"?>
+<p:sld xmlns:a="http://schemas.openxmlformats.org/drawingml/2006/main" xmlns:r="http://schemas.openxmlformats.org/officeDocument/2006/relationships" xmlns:p="http://schemas.openxmlformats.org/presentationml/2006/main">
+  <p:cSld>
+    <p:bg>
+      <p:bgPr>
+        <a:blipFill dpi="0" rotWithShape="0">
+          <a:blip r:embed="rId2"/>
+          <a:srcRect/>
+          <a:stretch>
+            <a:fillRect/>
+          </a:stretch>
+        </a:blipFill>
+        <a:effectLst/>
+      </p:bgPr>
+    </p:bg>
+    <p:spTree>
+      <p:nvGrpSpPr>
+        <p:cNvPr id="1" name=""/>
+        <p:cNvGrpSpPr/>
+        <p:nvPr/>
+      </p:nvGrpSpPr>
+      <p:grpSpPr>
+        <a:xfrm>
+          <a:off x="0" y="0"/>
+          <a:ext cx="0" cy="0"/>
+          <a:chOff x="0" y="0"/>
+          <a:chExt cx="0" cy="0"/>
+        </a:xfrm>
+      </p:grpSpPr>
+      <p:sp>
+        <p:nvSpPr>
+          <p:cNvPr id="31746" name="Rectangle 2"/>
+          <p:cNvSpPr>
+            <a:spLocks noGrp="1"/>
+          </p:cNvSpPr>
+          <p:nvPr>
+            <p:ph type="title"/>
+          </p:nvPr>
+        </p:nvSpPr>
+        <p:spPr/>
+        <p:txBody>
+          <a:bodyPr/>
+          <a:lstStyle/>
+          <a:p>
+            <a:r>
+              <a:rPr lang="en-US" smtClean="0">
+                <a:solidFill>
+                  <a:schemeClr val="bg1"/>
+                </a:solidFill>
+              </a:rPr>
+              <a:t>Gracias, por su atencion</a:t>
             </a:r>
           </a:p>
         </p:txBody>
@@ -19386,7 +19429,7 @@
           <p:nvPr/>
         </p:nvPicPr>
         <p:blipFill>
-          <a:blip r:embed="rId2" cstate="print"/>
+          <a:blip r:embed="rId2"/>
           <a:srcRect l="25977" t="33125" r="30078" b="10625"/>
           <a:stretch>
             <a:fillRect/>
@@ -19594,23 +19637,15 @@
           <a:lstStyle/>
           <a:p>
             <a:pPr eaLnBrk="1"/>
-            <a:endParaRPr lang="en-US" b="1" dirty="0" smtClean="0"/>
+            <a:endParaRPr lang="en-US" b="1" smtClean="0"/>
           </a:p>
           <a:p>
             <a:pPr eaLnBrk="1"/>
             <a:r>
               <a:rPr lang="es-MX" b="1" smtClean="0"/>
-              <a:t>Incrementar </a:t>
+              <a:t>Incrementar las ventas y soportar las estrategias de fidelización</a:t>
             </a:r>
-            <a:r>
-              <a:rPr lang="es-MX" b="1" dirty="0" smtClean="0"/>
-              <a:t>las ventas y soportar </a:t>
-            </a:r>
-            <a:r>
-              <a:rPr lang="es-MX" b="1" dirty="0" smtClean="0"/>
-              <a:t>las estrategias de fidelización</a:t>
-            </a:r>
-            <a:endParaRPr lang="es-MX" dirty="0" smtClean="0">
+            <a:endParaRPr lang="es-MX" smtClean="0">
               <a:latin typeface="Calibri" pitchFamily="34" charset="0"/>
             </a:endParaRPr>
           </a:p>
